--- a/Crystal/Energy_resolution/moses_IPNsemin_21102011.pptx
+++ b/Crystal/Energy_resolution/moses_IPNsemin_21102011.pptx
@@ -186,6 +186,36 @@
       </a:defRPr>
     </a:lvl9pPr>
   </p:defaultTextStyle>
+  <p:extLst>
+    <p:ext uri="{EFAFB233-063F-42B5-8137-9DF3F51BA10A}">
+      <p15:sldGuideLst xmlns:p15="http://schemas.microsoft.com/office/powerpoint/2012/main">
+        <p15:guide id="1" orient="horz" pos="2160">
+          <p15:clr>
+            <a:srgbClr val="A4A3A4"/>
+          </p15:clr>
+        </p15:guide>
+        <p15:guide id="2" pos="3240">
+          <p15:clr>
+            <a:srgbClr val="A4A3A4"/>
+          </p15:clr>
+        </p15:guide>
+      </p15:sldGuideLst>
+    </p:ext>
+    <p:ext uri="{2D200454-40CA-4A62-9FC3-DE9A4176ACB9}">
+      <p15:notesGuideLst xmlns:p15="http://schemas.microsoft.com/office/powerpoint/2012/main">
+        <p15:guide id="1" orient="horz" pos="2880">
+          <p15:clr>
+            <a:srgbClr val="A4A3A4"/>
+          </p15:clr>
+        </p15:guide>
+        <p15:guide id="2" pos="2160">
+          <p15:clr>
+            <a:srgbClr val="A4A3A4"/>
+          </p15:clr>
+        </p15:guide>
+      </p15:notesGuideLst>
+    </p:ext>
+  </p:extLst>
 </p:presentation>
 </file>
 
@@ -215,6 +245,11 @@
         </a:xfrm>
       </p:grpSpPr>
     </p:spTree>
+    <p:extLst>
+      <p:ext uri="{BB962C8B-B14F-4D97-AF65-F5344CB8AC3E}">
+        <p14:creationId xmlns:p14="http://schemas.microsoft.com/office/powerpoint/2010/main" val="1193506437"/>
+      </p:ext>
+    </p:extLst>
   </p:cSld>
   <p:clrMap bg1="lt1" tx1="dk1" bg2="lt2" tx2="dk2" accent1="accent1" accent2="accent2" accent3="accent3" accent4="accent4" accent5="accent5" accent6="accent6" hlink="hlink" folHlink="folHlink"/>
 </p:handoutMaster>
@@ -249,7 +284,7 @@
         <p:nvSpPr>
           <p:cNvPr id="13314" name="Rectangle 2"/>
           <p:cNvSpPr>
-            <a:spLocks noGrp="1" noRot="1" noChangeArrowheads="1" noTextEdit="1"/>
+            <a:spLocks noGrp="1" noRot="1" noChangeAspect="1" noChangeArrowheads="1" noTextEdit="1"/>
           </p:cNvSpPr>
           <p:nvPr>
             <p:ph type="sldImg" idx="2"/>
@@ -373,6 +408,11 @@
         </p:txBody>
       </p:sp>
     </p:spTree>
+    <p:extLst>
+      <p:ext uri="{BB962C8B-B14F-4D97-AF65-F5344CB8AC3E}">
+        <p14:creationId xmlns:p14="http://schemas.microsoft.com/office/powerpoint/2010/main" val="2896551815"/>
+      </p:ext>
+    </p:extLst>
   </p:cSld>
   <p:clrMap bg1="lt1" tx1="dk1" bg2="lt2" tx2="dk2" accent1="accent1" accent2="accent2" accent3="accent3" accent4="accent4" accent5="accent5" accent6="accent6" hlink="hlink" folHlink="folHlink"/>
   <p:notesStyle>
@@ -536,7 +576,7 @@
         <p:nvSpPr>
           <p:cNvPr id="16385" name="Rectangle 2"/>
           <p:cNvSpPr>
-            <a:spLocks noGrp="1" noRot="1" noChangeArrowheads="1" noTextEdit="1"/>
+            <a:spLocks noGrp="1" noRot="1" noChangeAspect="1" noChangeArrowheads="1" noTextEdit="1"/>
           </p:cNvSpPr>
           <p:nvPr>
             <p:ph type="sldImg"/>
@@ -550,6 +590,11 @@
         </p:spPr>
       </p:sp>
     </p:spTree>
+    <p:extLst>
+      <p:ext uri="{BB962C8B-B14F-4D97-AF65-F5344CB8AC3E}">
+        <p14:creationId xmlns:p14="http://schemas.microsoft.com/office/powerpoint/2010/main" val="4072873842"/>
+      </p:ext>
+    </p:extLst>
   </p:cSld>
   <p:clrMapOvr>
     <a:masterClrMapping/>
@@ -578,7 +623,7 @@
         <p:nvSpPr>
           <p:cNvPr id="34817" name="Rectangle 2"/>
           <p:cNvSpPr>
-            <a:spLocks noGrp="1" noRot="1" noChangeArrowheads="1" noTextEdit="1"/>
+            <a:spLocks noGrp="1" noRot="1" noChangeAspect="1" noChangeArrowheads="1" noTextEdit="1"/>
           </p:cNvSpPr>
           <p:nvPr>
             <p:ph type="sldImg"/>
@@ -628,6 +673,11 @@
         </p:txBody>
       </p:sp>
     </p:spTree>
+    <p:extLst>
+      <p:ext uri="{BB962C8B-B14F-4D97-AF65-F5344CB8AC3E}">
+        <p14:creationId xmlns:p14="http://schemas.microsoft.com/office/powerpoint/2010/main" val="3093183113"/>
+      </p:ext>
+    </p:extLst>
   </p:cSld>
   <p:clrMapOvr>
     <a:masterClrMapping/>
@@ -656,7 +706,7 @@
         <p:nvSpPr>
           <p:cNvPr id="36865" name="Rectangle 2"/>
           <p:cNvSpPr>
-            <a:spLocks noGrp="1" noRot="1" noChangeArrowheads="1" noTextEdit="1"/>
+            <a:spLocks noGrp="1" noRot="1" noChangeAspect="1" noChangeArrowheads="1" noTextEdit="1"/>
           </p:cNvSpPr>
           <p:nvPr>
             <p:ph type="sldImg"/>
@@ -706,6 +756,11 @@
         </p:txBody>
       </p:sp>
     </p:spTree>
+    <p:extLst>
+      <p:ext uri="{BB962C8B-B14F-4D97-AF65-F5344CB8AC3E}">
+        <p14:creationId xmlns:p14="http://schemas.microsoft.com/office/powerpoint/2010/main" val="2351125424"/>
+      </p:ext>
+    </p:extLst>
   </p:cSld>
   <p:clrMapOvr>
     <a:masterClrMapping/>
@@ -734,7 +789,7 @@
         <p:nvSpPr>
           <p:cNvPr id="38913" name="Rectangle 2"/>
           <p:cNvSpPr>
-            <a:spLocks noGrp="1" noRot="1" noChangeArrowheads="1" noTextEdit="1"/>
+            <a:spLocks noGrp="1" noRot="1" noChangeAspect="1" noChangeArrowheads="1" noTextEdit="1"/>
           </p:cNvSpPr>
           <p:nvPr>
             <p:ph type="sldImg"/>
@@ -784,6 +839,11 @@
         </p:txBody>
       </p:sp>
     </p:spTree>
+    <p:extLst>
+      <p:ext uri="{BB962C8B-B14F-4D97-AF65-F5344CB8AC3E}">
+        <p14:creationId xmlns:p14="http://schemas.microsoft.com/office/powerpoint/2010/main" val="3627445924"/>
+      </p:ext>
+    </p:extLst>
   </p:cSld>
   <p:clrMapOvr>
     <a:masterClrMapping/>
@@ -812,7 +872,7 @@
         <p:nvSpPr>
           <p:cNvPr id="40961" name="Rectangle 2"/>
           <p:cNvSpPr>
-            <a:spLocks noGrp="1" noRot="1" noChangeArrowheads="1" noTextEdit="1"/>
+            <a:spLocks noGrp="1" noRot="1" noChangeAspect="1" noChangeArrowheads="1" noTextEdit="1"/>
           </p:cNvSpPr>
           <p:nvPr>
             <p:ph type="sldImg"/>
@@ -862,6 +922,11 @@
         </p:txBody>
       </p:sp>
     </p:spTree>
+    <p:extLst>
+      <p:ext uri="{BB962C8B-B14F-4D97-AF65-F5344CB8AC3E}">
+        <p14:creationId xmlns:p14="http://schemas.microsoft.com/office/powerpoint/2010/main" val="1210667626"/>
+      </p:ext>
+    </p:extLst>
   </p:cSld>
   <p:clrMapOvr>
     <a:masterClrMapping/>
@@ -890,7 +955,7 @@
         <p:nvSpPr>
           <p:cNvPr id="43009" name="Rectangle 2"/>
           <p:cNvSpPr>
-            <a:spLocks noGrp="1" noRot="1" noChangeArrowheads="1"/>
+            <a:spLocks noGrp="1" noRot="1" noChangeAspect="1" noChangeArrowheads="1"/>
           </p:cNvSpPr>
           <p:nvPr>
             <p:ph type="sldImg"/>
@@ -948,6 +1013,11 @@
         </p:txBody>
       </p:sp>
     </p:spTree>
+    <p:extLst>
+      <p:ext uri="{BB962C8B-B14F-4D97-AF65-F5344CB8AC3E}">
+        <p14:creationId xmlns:p14="http://schemas.microsoft.com/office/powerpoint/2010/main" val="1799483652"/>
+      </p:ext>
+    </p:extLst>
   </p:cSld>
   <p:clrMapOvr>
     <a:masterClrMapping/>
@@ -976,7 +1046,7 @@
         <p:nvSpPr>
           <p:cNvPr id="45057" name="Rectangle 2"/>
           <p:cNvSpPr>
-            <a:spLocks noGrp="1" noRot="1" noChangeArrowheads="1"/>
+            <a:spLocks noGrp="1" noRot="1" noChangeAspect="1" noChangeArrowheads="1"/>
           </p:cNvSpPr>
           <p:nvPr>
             <p:ph type="sldImg"/>
@@ -1034,6 +1104,11 @@
         </p:txBody>
       </p:sp>
     </p:spTree>
+    <p:extLst>
+      <p:ext uri="{BB962C8B-B14F-4D97-AF65-F5344CB8AC3E}">
+        <p14:creationId xmlns:p14="http://schemas.microsoft.com/office/powerpoint/2010/main" val="3892050846"/>
+      </p:ext>
+    </p:extLst>
   </p:cSld>
   <p:clrMapOvr>
     <a:masterClrMapping/>
@@ -1062,7 +1137,7 @@
         <p:nvSpPr>
           <p:cNvPr id="47105" name="Rectangle 2"/>
           <p:cNvSpPr>
-            <a:spLocks noGrp="1" noRot="1" noChangeArrowheads="1"/>
+            <a:spLocks noGrp="1" noRot="1" noChangeAspect="1" noChangeArrowheads="1"/>
           </p:cNvSpPr>
           <p:nvPr>
             <p:ph type="sldImg"/>
@@ -1120,6 +1195,11 @@
         </p:txBody>
       </p:sp>
     </p:spTree>
+    <p:extLst>
+      <p:ext uri="{BB962C8B-B14F-4D97-AF65-F5344CB8AC3E}">
+        <p14:creationId xmlns:p14="http://schemas.microsoft.com/office/powerpoint/2010/main" val="4018210549"/>
+      </p:ext>
+    </p:extLst>
   </p:cSld>
   <p:clrMapOvr>
     <a:masterClrMapping/>
@@ -1148,7 +1228,7 @@
         <p:nvSpPr>
           <p:cNvPr id="49153" name="Rectangle 2"/>
           <p:cNvSpPr>
-            <a:spLocks noGrp="1" noRot="1" noChangeArrowheads="1"/>
+            <a:spLocks noGrp="1" noRot="1" noChangeAspect="1" noChangeArrowheads="1"/>
           </p:cNvSpPr>
           <p:nvPr>
             <p:ph type="sldImg"/>
@@ -1206,6 +1286,11 @@
         </p:txBody>
       </p:sp>
     </p:spTree>
+    <p:extLst>
+      <p:ext uri="{BB962C8B-B14F-4D97-AF65-F5344CB8AC3E}">
+        <p14:creationId xmlns:p14="http://schemas.microsoft.com/office/powerpoint/2010/main" val="3740759886"/>
+      </p:ext>
+    </p:extLst>
   </p:cSld>
   <p:clrMapOvr>
     <a:masterClrMapping/>
@@ -1234,7 +1319,7 @@
         <p:nvSpPr>
           <p:cNvPr id="51201" name="Rectangle 2"/>
           <p:cNvSpPr>
-            <a:spLocks noGrp="1" noRot="1" noChangeArrowheads="1" noTextEdit="1"/>
+            <a:spLocks noGrp="1" noRot="1" noChangeAspect="1" noChangeArrowheads="1" noTextEdit="1"/>
           </p:cNvSpPr>
           <p:nvPr>
             <p:ph type="sldImg"/>
@@ -1284,6 +1369,11 @@
         </p:txBody>
       </p:sp>
     </p:spTree>
+    <p:extLst>
+      <p:ext uri="{BB962C8B-B14F-4D97-AF65-F5344CB8AC3E}">
+        <p14:creationId xmlns:p14="http://schemas.microsoft.com/office/powerpoint/2010/main" val="1365935309"/>
+      </p:ext>
+    </p:extLst>
   </p:cSld>
   <p:clrMapOvr>
     <a:masterClrMapping/>
@@ -1312,7 +1402,7 @@
         <p:nvSpPr>
           <p:cNvPr id="53249" name="Rectangle 2"/>
           <p:cNvSpPr>
-            <a:spLocks noGrp="1" noRot="1" noChangeArrowheads="1" noTextEdit="1"/>
+            <a:spLocks noGrp="1" noRot="1" noChangeAspect="1" noChangeArrowheads="1" noTextEdit="1"/>
           </p:cNvSpPr>
           <p:nvPr>
             <p:ph type="sldImg"/>
@@ -1362,6 +1452,11 @@
         </p:txBody>
       </p:sp>
     </p:spTree>
+    <p:extLst>
+      <p:ext uri="{BB962C8B-B14F-4D97-AF65-F5344CB8AC3E}">
+        <p14:creationId xmlns:p14="http://schemas.microsoft.com/office/powerpoint/2010/main" val="3611838246"/>
+      </p:ext>
+    </p:extLst>
   </p:cSld>
   <p:clrMapOvr>
     <a:masterClrMapping/>
@@ -1390,7 +1485,7 @@
         <p:nvSpPr>
           <p:cNvPr id="18433" name="Rectangle 2"/>
           <p:cNvSpPr>
-            <a:spLocks noGrp="1" noRot="1" noChangeArrowheads="1" noTextEdit="1"/>
+            <a:spLocks noGrp="1" noRot="1" noChangeAspect="1" noChangeArrowheads="1" noTextEdit="1"/>
           </p:cNvSpPr>
           <p:nvPr>
             <p:ph type="sldImg"/>
@@ -1440,6 +1535,11 @@
         </p:txBody>
       </p:sp>
     </p:spTree>
+    <p:extLst>
+      <p:ext uri="{BB962C8B-B14F-4D97-AF65-F5344CB8AC3E}">
+        <p14:creationId xmlns:p14="http://schemas.microsoft.com/office/powerpoint/2010/main" val="2087698189"/>
+      </p:ext>
+    </p:extLst>
   </p:cSld>
   <p:clrMapOvr>
     <a:masterClrMapping/>
@@ -1468,7 +1568,7 @@
         <p:nvSpPr>
           <p:cNvPr id="55297" name="Rectangle 2"/>
           <p:cNvSpPr>
-            <a:spLocks noGrp="1" noRot="1" noChangeArrowheads="1" noTextEdit="1"/>
+            <a:spLocks noGrp="1" noRot="1" noChangeAspect="1" noChangeArrowheads="1" noTextEdit="1"/>
           </p:cNvSpPr>
           <p:nvPr>
             <p:ph type="sldImg"/>
@@ -1518,6 +1618,11 @@
         </p:txBody>
       </p:sp>
     </p:spTree>
+    <p:extLst>
+      <p:ext uri="{BB962C8B-B14F-4D97-AF65-F5344CB8AC3E}">
+        <p14:creationId xmlns:p14="http://schemas.microsoft.com/office/powerpoint/2010/main" val="3012932838"/>
+      </p:ext>
+    </p:extLst>
   </p:cSld>
   <p:clrMapOvr>
     <a:masterClrMapping/>
@@ -1546,7 +1651,7 @@
         <p:nvSpPr>
           <p:cNvPr id="57345" name="Rectangle 2"/>
           <p:cNvSpPr>
-            <a:spLocks noGrp="1" noRot="1" noChangeArrowheads="1" noTextEdit="1"/>
+            <a:spLocks noGrp="1" noRot="1" noChangeAspect="1" noChangeArrowheads="1" noTextEdit="1"/>
           </p:cNvSpPr>
           <p:nvPr>
             <p:ph type="sldImg"/>
@@ -1596,6 +1701,11 @@
         </p:txBody>
       </p:sp>
     </p:spTree>
+    <p:extLst>
+      <p:ext uri="{BB962C8B-B14F-4D97-AF65-F5344CB8AC3E}">
+        <p14:creationId xmlns:p14="http://schemas.microsoft.com/office/powerpoint/2010/main" val="2315169153"/>
+      </p:ext>
+    </p:extLst>
   </p:cSld>
   <p:clrMapOvr>
     <a:masterClrMapping/>
@@ -1624,7 +1734,7 @@
         <p:nvSpPr>
           <p:cNvPr id="59393" name="Rectangle 2"/>
           <p:cNvSpPr>
-            <a:spLocks noGrp="1" noRot="1" noChangeArrowheads="1" noTextEdit="1"/>
+            <a:spLocks noGrp="1" noRot="1" noChangeAspect="1" noChangeArrowheads="1" noTextEdit="1"/>
           </p:cNvSpPr>
           <p:nvPr>
             <p:ph type="sldImg"/>
@@ -1674,6 +1784,11 @@
         </p:txBody>
       </p:sp>
     </p:spTree>
+    <p:extLst>
+      <p:ext uri="{BB962C8B-B14F-4D97-AF65-F5344CB8AC3E}">
+        <p14:creationId xmlns:p14="http://schemas.microsoft.com/office/powerpoint/2010/main" val="3128135690"/>
+      </p:ext>
+    </p:extLst>
   </p:cSld>
   <p:clrMapOvr>
     <a:masterClrMapping/>
@@ -1702,7 +1817,7 @@
         <p:nvSpPr>
           <p:cNvPr id="61441" name="Rectangle 2"/>
           <p:cNvSpPr>
-            <a:spLocks noGrp="1" noRot="1" noChangeArrowheads="1" noTextEdit="1"/>
+            <a:spLocks noGrp="1" noRot="1" noChangeAspect="1" noChangeArrowheads="1" noTextEdit="1"/>
           </p:cNvSpPr>
           <p:nvPr>
             <p:ph type="sldImg"/>
@@ -1752,6 +1867,11 @@
         </p:txBody>
       </p:sp>
     </p:spTree>
+    <p:extLst>
+      <p:ext uri="{BB962C8B-B14F-4D97-AF65-F5344CB8AC3E}">
+        <p14:creationId xmlns:p14="http://schemas.microsoft.com/office/powerpoint/2010/main" val="1695766327"/>
+      </p:ext>
+    </p:extLst>
   </p:cSld>
   <p:clrMapOvr>
     <a:masterClrMapping/>
@@ -1780,7 +1900,7 @@
         <p:nvSpPr>
           <p:cNvPr id="63489" name="Rectangle 2"/>
           <p:cNvSpPr>
-            <a:spLocks noGrp="1" noRot="1" noChangeArrowheads="1"/>
+            <a:spLocks noGrp="1" noRot="1" noChangeAspect="1" noChangeArrowheads="1"/>
           </p:cNvSpPr>
           <p:nvPr>
             <p:ph type="sldImg"/>
@@ -1838,6 +1958,11 @@
         </p:txBody>
       </p:sp>
     </p:spTree>
+    <p:extLst>
+      <p:ext uri="{BB962C8B-B14F-4D97-AF65-F5344CB8AC3E}">
+        <p14:creationId xmlns:p14="http://schemas.microsoft.com/office/powerpoint/2010/main" val="1219935675"/>
+      </p:ext>
+    </p:extLst>
   </p:cSld>
   <p:clrMapOvr>
     <a:masterClrMapping/>
@@ -1866,7 +1991,7 @@
         <p:nvSpPr>
           <p:cNvPr id="65537" name="Rectangle 2"/>
           <p:cNvSpPr>
-            <a:spLocks noGrp="1" noRot="1" noChangeArrowheads="1" noTextEdit="1"/>
+            <a:spLocks noGrp="1" noRot="1" noChangeAspect="1" noChangeArrowheads="1" noTextEdit="1"/>
           </p:cNvSpPr>
           <p:nvPr>
             <p:ph type="sldImg"/>
@@ -1916,6 +2041,11 @@
         </p:txBody>
       </p:sp>
     </p:spTree>
+    <p:extLst>
+      <p:ext uri="{BB962C8B-B14F-4D97-AF65-F5344CB8AC3E}">
+        <p14:creationId xmlns:p14="http://schemas.microsoft.com/office/powerpoint/2010/main" val="78279265"/>
+      </p:ext>
+    </p:extLst>
   </p:cSld>
   <p:clrMapOvr>
     <a:masterClrMapping/>
@@ -1944,7 +2074,7 @@
         <p:nvSpPr>
           <p:cNvPr id="67585" name="Rectangle 2"/>
           <p:cNvSpPr>
-            <a:spLocks noGrp="1" noRot="1" noChangeArrowheads="1" noTextEdit="1"/>
+            <a:spLocks noGrp="1" noRot="1" noChangeAspect="1" noChangeArrowheads="1" noTextEdit="1"/>
           </p:cNvSpPr>
           <p:nvPr>
             <p:ph type="sldImg"/>
@@ -1994,6 +2124,11 @@
         </p:txBody>
       </p:sp>
     </p:spTree>
+    <p:extLst>
+      <p:ext uri="{BB962C8B-B14F-4D97-AF65-F5344CB8AC3E}">
+        <p14:creationId xmlns:p14="http://schemas.microsoft.com/office/powerpoint/2010/main" val="1592221534"/>
+      </p:ext>
+    </p:extLst>
   </p:cSld>
   <p:clrMapOvr>
     <a:masterClrMapping/>
@@ -2022,7 +2157,7 @@
         <p:nvSpPr>
           <p:cNvPr id="69633" name="Rectangle 2"/>
           <p:cNvSpPr>
-            <a:spLocks noGrp="1" noRot="1" noChangeArrowheads="1" noTextEdit="1"/>
+            <a:spLocks noGrp="1" noRot="1" noChangeAspect="1" noChangeArrowheads="1" noTextEdit="1"/>
           </p:cNvSpPr>
           <p:nvPr>
             <p:ph type="sldImg"/>
@@ -2072,6 +2207,11 @@
         </p:txBody>
       </p:sp>
     </p:spTree>
+    <p:extLst>
+      <p:ext uri="{BB962C8B-B14F-4D97-AF65-F5344CB8AC3E}">
+        <p14:creationId xmlns:p14="http://schemas.microsoft.com/office/powerpoint/2010/main" val="1014548216"/>
+      </p:ext>
+    </p:extLst>
   </p:cSld>
   <p:clrMapOvr>
     <a:masterClrMapping/>
@@ -2100,7 +2240,7 @@
         <p:nvSpPr>
           <p:cNvPr id="71681" name="Rectangle 2"/>
           <p:cNvSpPr>
-            <a:spLocks noGrp="1" noRot="1" noChangeArrowheads="1"/>
+            <a:spLocks noGrp="1" noRot="1" noChangeAspect="1" noChangeArrowheads="1"/>
           </p:cNvSpPr>
           <p:nvPr>
             <p:ph type="sldImg"/>
@@ -2158,6 +2298,11 @@
         </p:txBody>
       </p:sp>
     </p:spTree>
+    <p:extLst>
+      <p:ext uri="{BB962C8B-B14F-4D97-AF65-F5344CB8AC3E}">
+        <p14:creationId xmlns:p14="http://schemas.microsoft.com/office/powerpoint/2010/main" val="676135767"/>
+      </p:ext>
+    </p:extLst>
   </p:cSld>
   <p:clrMapOvr>
     <a:masterClrMapping/>
@@ -2186,7 +2331,7 @@
         <p:nvSpPr>
           <p:cNvPr id="73729" name="Rectangle 2"/>
           <p:cNvSpPr>
-            <a:spLocks noGrp="1" noRot="1" noChangeArrowheads="1"/>
+            <a:spLocks noGrp="1" noRot="1" noChangeAspect="1" noChangeArrowheads="1"/>
           </p:cNvSpPr>
           <p:nvPr>
             <p:ph type="sldImg"/>
@@ -2244,6 +2389,11 @@
         </p:txBody>
       </p:sp>
     </p:spTree>
+    <p:extLst>
+      <p:ext uri="{BB962C8B-B14F-4D97-AF65-F5344CB8AC3E}">
+        <p14:creationId xmlns:p14="http://schemas.microsoft.com/office/powerpoint/2010/main" val="529623674"/>
+      </p:ext>
+    </p:extLst>
   </p:cSld>
   <p:clrMapOvr>
     <a:masterClrMapping/>
@@ -2272,7 +2422,7 @@
         <p:nvSpPr>
           <p:cNvPr id="20481" name="Rectangle 2"/>
           <p:cNvSpPr>
-            <a:spLocks noGrp="1" noRot="1" noChangeArrowheads="1" noTextEdit="1"/>
+            <a:spLocks noGrp="1" noRot="1" noChangeAspect="1" noChangeArrowheads="1" noTextEdit="1"/>
           </p:cNvSpPr>
           <p:nvPr>
             <p:ph type="sldImg"/>
@@ -2322,6 +2472,11 @@
         </p:txBody>
       </p:sp>
     </p:spTree>
+    <p:extLst>
+      <p:ext uri="{BB962C8B-B14F-4D97-AF65-F5344CB8AC3E}">
+        <p14:creationId xmlns:p14="http://schemas.microsoft.com/office/powerpoint/2010/main" val="1240527364"/>
+      </p:ext>
+    </p:extLst>
   </p:cSld>
   <p:clrMapOvr>
     <a:masterClrMapping/>
@@ -2389,7 +2544,7 @@
         <p:nvSpPr>
           <p:cNvPr id="75778" name="Rectangle 2"/>
           <p:cNvSpPr>
-            <a:spLocks noGrp="1" noRot="1" noChangeArrowheads="1" noTextEdit="1"/>
+            <a:spLocks noGrp="1" noRot="1" noChangeAspect="1" noChangeArrowheads="1" noTextEdit="1"/>
           </p:cNvSpPr>
           <p:nvPr>
             <p:ph type="sldImg"/>
@@ -2439,6 +2594,11 @@
         </p:txBody>
       </p:sp>
     </p:spTree>
+    <p:extLst>
+      <p:ext uri="{BB962C8B-B14F-4D97-AF65-F5344CB8AC3E}">
+        <p14:creationId xmlns:p14="http://schemas.microsoft.com/office/powerpoint/2010/main" val="64134155"/>
+      </p:ext>
+    </p:extLst>
   </p:cSld>
   <p:clrMapOvr>
     <a:masterClrMapping/>
@@ -2506,7 +2666,7 @@
         <p:nvSpPr>
           <p:cNvPr id="77826" name="Rectangle 1026"/>
           <p:cNvSpPr>
-            <a:spLocks noGrp="1" noRot="1" noChangeArrowheads="1" noTextEdit="1"/>
+            <a:spLocks noGrp="1" noRot="1" noChangeAspect="1" noChangeArrowheads="1" noTextEdit="1"/>
           </p:cNvSpPr>
           <p:nvPr>
             <p:ph type="sldImg"/>
@@ -2556,6 +2716,11 @@
         </p:txBody>
       </p:sp>
     </p:spTree>
+    <p:extLst>
+      <p:ext uri="{BB962C8B-B14F-4D97-AF65-F5344CB8AC3E}">
+        <p14:creationId xmlns:p14="http://schemas.microsoft.com/office/powerpoint/2010/main" val="170280023"/>
+      </p:ext>
+    </p:extLst>
   </p:cSld>
   <p:clrMapOvr>
     <a:masterClrMapping/>
@@ -2623,7 +2788,7 @@
         <p:nvSpPr>
           <p:cNvPr id="79874" name="Rectangle 1026"/>
           <p:cNvSpPr>
-            <a:spLocks noGrp="1" noRot="1" noChangeArrowheads="1" noTextEdit="1"/>
+            <a:spLocks noGrp="1" noRot="1" noChangeAspect="1" noChangeArrowheads="1" noTextEdit="1"/>
           </p:cNvSpPr>
           <p:nvPr>
             <p:ph type="sldImg"/>
@@ -2673,6 +2838,11 @@
         </p:txBody>
       </p:sp>
     </p:spTree>
+    <p:extLst>
+      <p:ext uri="{BB962C8B-B14F-4D97-AF65-F5344CB8AC3E}">
+        <p14:creationId xmlns:p14="http://schemas.microsoft.com/office/powerpoint/2010/main" val="1694373982"/>
+      </p:ext>
+    </p:extLst>
   </p:cSld>
   <p:clrMapOvr>
     <a:masterClrMapping/>
@@ -2701,7 +2871,7 @@
         <p:nvSpPr>
           <p:cNvPr id="81921" name="Rectangle 2"/>
           <p:cNvSpPr>
-            <a:spLocks noGrp="1" noRot="1" noChangeArrowheads="1" noTextEdit="1"/>
+            <a:spLocks noGrp="1" noRot="1" noChangeAspect="1" noChangeArrowheads="1" noTextEdit="1"/>
           </p:cNvSpPr>
           <p:nvPr>
             <p:ph type="sldImg"/>
@@ -2751,6 +2921,11 @@
         </p:txBody>
       </p:sp>
     </p:spTree>
+    <p:extLst>
+      <p:ext uri="{BB962C8B-B14F-4D97-AF65-F5344CB8AC3E}">
+        <p14:creationId xmlns:p14="http://schemas.microsoft.com/office/powerpoint/2010/main" val="564917063"/>
+      </p:ext>
+    </p:extLst>
   </p:cSld>
   <p:clrMapOvr>
     <a:masterClrMapping/>
@@ -2818,7 +2993,7 @@
         <p:nvSpPr>
           <p:cNvPr id="83970" name="Rectangle 1026"/>
           <p:cNvSpPr>
-            <a:spLocks noGrp="1" noRot="1" noChangeArrowheads="1" noTextEdit="1"/>
+            <a:spLocks noGrp="1" noRot="1" noChangeAspect="1" noChangeArrowheads="1" noTextEdit="1"/>
           </p:cNvSpPr>
           <p:nvPr>
             <p:ph type="sldImg"/>
@@ -2868,6 +3043,11 @@
         </p:txBody>
       </p:sp>
     </p:spTree>
+    <p:extLst>
+      <p:ext uri="{BB962C8B-B14F-4D97-AF65-F5344CB8AC3E}">
+        <p14:creationId xmlns:p14="http://schemas.microsoft.com/office/powerpoint/2010/main" val="3693922980"/>
+      </p:ext>
+    </p:extLst>
   </p:cSld>
   <p:clrMapOvr>
     <a:masterClrMapping/>
@@ -2935,7 +3115,7 @@
         <p:nvSpPr>
           <p:cNvPr id="86018" name="Rectangle 1026"/>
           <p:cNvSpPr>
-            <a:spLocks noGrp="1" noRot="1" noChangeArrowheads="1" noTextEdit="1"/>
+            <a:spLocks noGrp="1" noRot="1" noChangeAspect="1" noChangeArrowheads="1" noTextEdit="1"/>
           </p:cNvSpPr>
           <p:nvPr>
             <p:ph type="sldImg"/>
@@ -2985,6 +3165,11 @@
         </p:txBody>
       </p:sp>
     </p:spTree>
+    <p:extLst>
+      <p:ext uri="{BB962C8B-B14F-4D97-AF65-F5344CB8AC3E}">
+        <p14:creationId xmlns:p14="http://schemas.microsoft.com/office/powerpoint/2010/main" val="182705023"/>
+      </p:ext>
+    </p:extLst>
   </p:cSld>
   <p:clrMapOvr>
     <a:masterClrMapping/>
@@ -3052,7 +3237,7 @@
         <p:nvSpPr>
           <p:cNvPr id="88066" name="Rectangle 2"/>
           <p:cNvSpPr>
-            <a:spLocks noGrp="1" noRot="1" noChangeArrowheads="1" noTextEdit="1"/>
+            <a:spLocks noGrp="1" noRot="1" noChangeAspect="1" noChangeArrowheads="1" noTextEdit="1"/>
           </p:cNvSpPr>
           <p:nvPr>
             <p:ph type="sldImg"/>
@@ -3102,6 +3287,11 @@
         </p:txBody>
       </p:sp>
     </p:spTree>
+    <p:extLst>
+      <p:ext uri="{BB962C8B-B14F-4D97-AF65-F5344CB8AC3E}">
+        <p14:creationId xmlns:p14="http://schemas.microsoft.com/office/powerpoint/2010/main" val="902647028"/>
+      </p:ext>
+    </p:extLst>
   </p:cSld>
   <p:clrMapOvr>
     <a:masterClrMapping/>
@@ -3130,7 +3320,7 @@
         <p:nvSpPr>
           <p:cNvPr id="90113" name="Rectangle 2"/>
           <p:cNvSpPr>
-            <a:spLocks noGrp="1" noRot="1" noChangeArrowheads="1" noTextEdit="1"/>
+            <a:spLocks noGrp="1" noRot="1" noChangeAspect="1" noChangeArrowheads="1" noTextEdit="1"/>
           </p:cNvSpPr>
           <p:nvPr>
             <p:ph type="sldImg"/>
@@ -3144,6 +3334,11 @@
         </p:spPr>
       </p:sp>
     </p:spTree>
+    <p:extLst>
+      <p:ext uri="{BB962C8B-B14F-4D97-AF65-F5344CB8AC3E}">
+        <p14:creationId xmlns:p14="http://schemas.microsoft.com/office/powerpoint/2010/main" val="823714350"/>
+      </p:ext>
+    </p:extLst>
   </p:cSld>
   <p:clrMapOvr>
     <a:masterClrMapping/>
@@ -3172,7 +3367,7 @@
         <p:nvSpPr>
           <p:cNvPr id="92161" name="Rectangle 2"/>
           <p:cNvSpPr>
-            <a:spLocks noGrp="1" noRot="1" noChangeArrowheads="1" noTextEdit="1"/>
+            <a:spLocks noGrp="1" noRot="1" noChangeAspect="1" noChangeArrowheads="1" noTextEdit="1"/>
           </p:cNvSpPr>
           <p:nvPr>
             <p:ph type="sldImg"/>
@@ -3186,6 +3381,11 @@
         </p:spPr>
       </p:sp>
     </p:spTree>
+    <p:extLst>
+      <p:ext uri="{BB962C8B-B14F-4D97-AF65-F5344CB8AC3E}">
+        <p14:creationId xmlns:p14="http://schemas.microsoft.com/office/powerpoint/2010/main" val="46988632"/>
+      </p:ext>
+    </p:extLst>
   </p:cSld>
   <p:clrMapOvr>
     <a:masterClrMapping/>
@@ -3214,7 +3414,7 @@
         <p:nvSpPr>
           <p:cNvPr id="94209" name="Rectangle 2"/>
           <p:cNvSpPr>
-            <a:spLocks noGrp="1" noRot="1" noChangeArrowheads="1" noTextEdit="1"/>
+            <a:spLocks noGrp="1" noRot="1" noChangeAspect="1" noChangeArrowheads="1" noTextEdit="1"/>
           </p:cNvSpPr>
           <p:nvPr>
             <p:ph type="sldImg"/>
@@ -3228,6 +3428,11 @@
         </p:spPr>
       </p:sp>
     </p:spTree>
+    <p:extLst>
+      <p:ext uri="{BB962C8B-B14F-4D97-AF65-F5344CB8AC3E}">
+        <p14:creationId xmlns:p14="http://schemas.microsoft.com/office/powerpoint/2010/main" val="152167177"/>
+      </p:ext>
+    </p:extLst>
   </p:cSld>
   <p:clrMapOvr>
     <a:masterClrMapping/>
@@ -3256,7 +3461,7 @@
         <p:nvSpPr>
           <p:cNvPr id="22529" name="Rectangle 2"/>
           <p:cNvSpPr>
-            <a:spLocks noGrp="1" noRot="1" noChangeArrowheads="1" noTextEdit="1"/>
+            <a:spLocks noGrp="1" noRot="1" noChangeAspect="1" noChangeArrowheads="1" noTextEdit="1"/>
           </p:cNvSpPr>
           <p:nvPr>
             <p:ph type="sldImg"/>
@@ -3306,6 +3511,11 @@
         </p:txBody>
       </p:sp>
     </p:spTree>
+    <p:extLst>
+      <p:ext uri="{BB962C8B-B14F-4D97-AF65-F5344CB8AC3E}">
+        <p14:creationId xmlns:p14="http://schemas.microsoft.com/office/powerpoint/2010/main" val="938991294"/>
+      </p:ext>
+    </p:extLst>
   </p:cSld>
   <p:clrMapOvr>
     <a:masterClrMapping/>
@@ -3334,7 +3544,7 @@
         <p:nvSpPr>
           <p:cNvPr id="96257" name="Rectangle 2"/>
           <p:cNvSpPr>
-            <a:spLocks noGrp="1" noRot="1" noChangeArrowheads="1"/>
+            <a:spLocks noGrp="1" noRot="1" noChangeAspect="1" noChangeArrowheads="1"/>
           </p:cNvSpPr>
           <p:nvPr>
             <p:ph type="sldImg"/>
@@ -3392,6 +3602,11 @@
         </p:txBody>
       </p:sp>
     </p:spTree>
+    <p:extLst>
+      <p:ext uri="{BB962C8B-B14F-4D97-AF65-F5344CB8AC3E}">
+        <p14:creationId xmlns:p14="http://schemas.microsoft.com/office/powerpoint/2010/main" val="4142415180"/>
+      </p:ext>
+    </p:extLst>
   </p:cSld>
   <p:clrMapOvr>
     <a:masterClrMapping/>
@@ -3420,7 +3635,7 @@
         <p:nvSpPr>
           <p:cNvPr id="98305" name="Rectangle 2"/>
           <p:cNvSpPr>
-            <a:spLocks noGrp="1" noRot="1" noChangeArrowheads="1"/>
+            <a:spLocks noGrp="1" noRot="1" noChangeAspect="1" noChangeArrowheads="1"/>
           </p:cNvSpPr>
           <p:nvPr>
             <p:ph type="sldImg"/>
@@ -3480,6 +3695,11 @@
         </p:txBody>
       </p:sp>
     </p:spTree>
+    <p:extLst>
+      <p:ext uri="{BB962C8B-B14F-4D97-AF65-F5344CB8AC3E}">
+        <p14:creationId xmlns:p14="http://schemas.microsoft.com/office/powerpoint/2010/main" val="1220878403"/>
+      </p:ext>
+    </p:extLst>
   </p:cSld>
   <p:clrMapOvr>
     <a:masterClrMapping/>
@@ -3508,7 +3728,7 @@
         <p:nvSpPr>
           <p:cNvPr id="100353" name="Rectangle 2"/>
           <p:cNvSpPr>
-            <a:spLocks noGrp="1" noRot="1" noChangeArrowheads="1" noTextEdit="1"/>
+            <a:spLocks noGrp="1" noRot="1" noChangeAspect="1" noChangeArrowheads="1" noTextEdit="1"/>
           </p:cNvSpPr>
           <p:nvPr>
             <p:ph type="sldImg"/>
@@ -3522,6 +3742,11 @@
         </p:spPr>
       </p:sp>
     </p:spTree>
+    <p:extLst>
+      <p:ext uri="{BB962C8B-B14F-4D97-AF65-F5344CB8AC3E}">
+        <p14:creationId xmlns:p14="http://schemas.microsoft.com/office/powerpoint/2010/main" val="926569910"/>
+      </p:ext>
+    </p:extLst>
   </p:cSld>
   <p:clrMapOvr>
     <a:masterClrMapping/>
@@ -3589,7 +3814,7 @@
         <p:nvSpPr>
           <p:cNvPr id="102402" name="Rectangle 2"/>
           <p:cNvSpPr>
-            <a:spLocks noGrp="1" noRot="1" noChangeArrowheads="1"/>
+            <a:spLocks noGrp="1" noRot="1" noChangeAspect="1" noChangeArrowheads="1"/>
           </p:cNvSpPr>
           <p:nvPr>
             <p:ph type="sldImg"/>
@@ -3652,6 +3877,11 @@
         </p:txBody>
       </p:sp>
     </p:spTree>
+    <p:extLst>
+      <p:ext uri="{BB962C8B-B14F-4D97-AF65-F5344CB8AC3E}">
+        <p14:creationId xmlns:p14="http://schemas.microsoft.com/office/powerpoint/2010/main" val="1294346850"/>
+      </p:ext>
+    </p:extLst>
   </p:cSld>
   <p:clrMapOvr>
     <a:masterClrMapping/>
@@ -3719,7 +3949,7 @@
         <p:nvSpPr>
           <p:cNvPr id="104450" name="Rectangle 2"/>
           <p:cNvSpPr>
-            <a:spLocks noGrp="1" noRot="1" noChangeArrowheads="1"/>
+            <a:spLocks noGrp="1" noRot="1" noChangeAspect="1" noChangeArrowheads="1"/>
           </p:cNvSpPr>
           <p:nvPr>
             <p:ph type="sldImg"/>
@@ -3782,6 +4012,11 @@
         </p:txBody>
       </p:sp>
     </p:spTree>
+    <p:extLst>
+      <p:ext uri="{BB962C8B-B14F-4D97-AF65-F5344CB8AC3E}">
+        <p14:creationId xmlns:p14="http://schemas.microsoft.com/office/powerpoint/2010/main" val="1689869559"/>
+      </p:ext>
+    </p:extLst>
   </p:cSld>
   <p:clrMapOvr>
     <a:masterClrMapping/>
@@ -3810,7 +4045,7 @@
         <p:nvSpPr>
           <p:cNvPr id="106497" name="Rectangle 2"/>
           <p:cNvSpPr>
-            <a:spLocks noGrp="1" noRot="1" noChangeArrowheads="1"/>
+            <a:spLocks noGrp="1" noRot="1" noChangeAspect="1" noChangeArrowheads="1"/>
           </p:cNvSpPr>
           <p:nvPr>
             <p:ph type="sldImg"/>
@@ -3868,6 +4103,11 @@
         </p:txBody>
       </p:sp>
     </p:spTree>
+    <p:extLst>
+      <p:ext uri="{BB962C8B-B14F-4D97-AF65-F5344CB8AC3E}">
+        <p14:creationId xmlns:p14="http://schemas.microsoft.com/office/powerpoint/2010/main" val="2724834300"/>
+      </p:ext>
+    </p:extLst>
   </p:cSld>
   <p:clrMapOvr>
     <a:masterClrMapping/>
@@ -3896,7 +4136,7 @@
         <p:nvSpPr>
           <p:cNvPr id="108545" name="Rectangle 2"/>
           <p:cNvSpPr>
-            <a:spLocks noGrp="1" noRot="1" noChangeArrowheads="1" noTextEdit="1"/>
+            <a:spLocks noGrp="1" noRot="1" noChangeAspect="1" noChangeArrowheads="1" noTextEdit="1"/>
           </p:cNvSpPr>
           <p:nvPr>
             <p:ph type="sldImg"/>
@@ -3946,6 +4186,11 @@
         </p:txBody>
       </p:sp>
     </p:spTree>
+    <p:extLst>
+      <p:ext uri="{BB962C8B-B14F-4D97-AF65-F5344CB8AC3E}">
+        <p14:creationId xmlns:p14="http://schemas.microsoft.com/office/powerpoint/2010/main" val="3811588980"/>
+      </p:ext>
+    </p:extLst>
   </p:cSld>
   <p:clrMapOvr>
     <a:masterClrMapping/>
@@ -3974,7 +4219,7 @@
         <p:nvSpPr>
           <p:cNvPr id="24577" name="Rectangle 2"/>
           <p:cNvSpPr>
-            <a:spLocks noGrp="1" noRot="1" noChangeArrowheads="1" noTextEdit="1"/>
+            <a:spLocks noGrp="1" noRot="1" noChangeAspect="1" noChangeArrowheads="1" noTextEdit="1"/>
           </p:cNvSpPr>
           <p:nvPr>
             <p:ph type="sldImg"/>
@@ -4024,6 +4269,11 @@
         </p:txBody>
       </p:sp>
     </p:spTree>
+    <p:extLst>
+      <p:ext uri="{BB962C8B-B14F-4D97-AF65-F5344CB8AC3E}">
+        <p14:creationId xmlns:p14="http://schemas.microsoft.com/office/powerpoint/2010/main" val="513513929"/>
+      </p:ext>
+    </p:extLst>
   </p:cSld>
   <p:clrMapOvr>
     <a:masterClrMapping/>
@@ -4052,7 +4302,7 @@
         <p:nvSpPr>
           <p:cNvPr id="26625" name="Rectangle 2"/>
           <p:cNvSpPr>
-            <a:spLocks noGrp="1" noRot="1" noChangeArrowheads="1" noTextEdit="1"/>
+            <a:spLocks noGrp="1" noRot="1" noChangeAspect="1" noChangeArrowheads="1" noTextEdit="1"/>
           </p:cNvSpPr>
           <p:nvPr>
             <p:ph type="sldImg"/>
@@ -4102,6 +4352,11 @@
         </p:txBody>
       </p:sp>
     </p:spTree>
+    <p:extLst>
+      <p:ext uri="{BB962C8B-B14F-4D97-AF65-F5344CB8AC3E}">
+        <p14:creationId xmlns:p14="http://schemas.microsoft.com/office/powerpoint/2010/main" val="4021328160"/>
+      </p:ext>
+    </p:extLst>
   </p:cSld>
   <p:clrMapOvr>
     <a:masterClrMapping/>
@@ -4130,7 +4385,7 @@
         <p:nvSpPr>
           <p:cNvPr id="28673" name="Rectangle 2"/>
           <p:cNvSpPr>
-            <a:spLocks noGrp="1" noRot="1" noChangeArrowheads="1" noTextEdit="1"/>
+            <a:spLocks noGrp="1" noRot="1" noChangeAspect="1" noChangeArrowheads="1" noTextEdit="1"/>
           </p:cNvSpPr>
           <p:nvPr>
             <p:ph type="sldImg"/>
@@ -4180,6 +4435,11 @@
         </p:txBody>
       </p:sp>
     </p:spTree>
+    <p:extLst>
+      <p:ext uri="{BB962C8B-B14F-4D97-AF65-F5344CB8AC3E}">
+        <p14:creationId xmlns:p14="http://schemas.microsoft.com/office/powerpoint/2010/main" val="1598085394"/>
+      </p:ext>
+    </p:extLst>
   </p:cSld>
   <p:clrMapOvr>
     <a:masterClrMapping/>
@@ -4208,7 +4468,7 @@
         <p:nvSpPr>
           <p:cNvPr id="30721" name="Rectangle 2"/>
           <p:cNvSpPr>
-            <a:spLocks noGrp="1" noRot="1" noChangeArrowheads="1" noTextEdit="1"/>
+            <a:spLocks noGrp="1" noRot="1" noChangeAspect="1" noChangeArrowheads="1" noTextEdit="1"/>
           </p:cNvSpPr>
           <p:nvPr>
             <p:ph type="sldImg"/>
@@ -4258,6 +4518,11 @@
         </p:txBody>
       </p:sp>
     </p:spTree>
+    <p:extLst>
+      <p:ext uri="{BB962C8B-B14F-4D97-AF65-F5344CB8AC3E}">
+        <p14:creationId xmlns:p14="http://schemas.microsoft.com/office/powerpoint/2010/main" val="1440864515"/>
+      </p:ext>
+    </p:extLst>
   </p:cSld>
   <p:clrMapOvr>
     <a:masterClrMapping/>
@@ -4286,7 +4551,7 @@
         <p:nvSpPr>
           <p:cNvPr id="32769" name="Rectangle 2"/>
           <p:cNvSpPr>
-            <a:spLocks noGrp="1" noRot="1" noChangeArrowheads="1" noTextEdit="1"/>
+            <a:spLocks noGrp="1" noRot="1" noChangeAspect="1" noChangeArrowheads="1" noTextEdit="1"/>
           </p:cNvSpPr>
           <p:nvPr>
             <p:ph type="sldImg"/>
@@ -4336,6 +4601,11 @@
         </p:txBody>
       </p:sp>
     </p:spTree>
+    <p:extLst>
+      <p:ext uri="{BB962C8B-B14F-4D97-AF65-F5344CB8AC3E}">
+        <p14:creationId xmlns:p14="http://schemas.microsoft.com/office/powerpoint/2010/main" val="663204056"/>
+      </p:ext>
+    </p:extLst>
   </p:cSld>
   <p:clrMapOvr>
     <a:masterClrMapping/>
@@ -11267,7 +11537,7 @@
               <a:defRPr/>
             </a:pPr>
             <a:r>
-              <a:rPr lang="en-US" sz="3200" b="1">
+              <a:rPr lang="en-US" sz="3200" b="1" dirty="0">
                 <a:ea typeface="+mn-ea"/>
               </a:rPr>
               <a:t>Structure in Photon Response Curve</a:t>
@@ -11286,7 +11556,7 @@
               <a:defRPr/>
             </a:pPr>
             <a:r>
-              <a:rPr lang="en-US" sz="3200" b="1">
+              <a:rPr lang="en-US" sz="3200" b="1" dirty="0">
                 <a:ea typeface="+mn-ea"/>
               </a:rPr>
               <a:t>Includes Many Confounding Effects</a:t>
@@ -14159,7 +14429,7 @@
               <a:defRPr/>
             </a:pPr>
             <a:r>
-              <a:rPr lang="en-US" sz="2800" b="1">
+              <a:rPr lang="en-US" sz="2800" b="1" dirty="0">
                 <a:ea typeface="+mn-ea"/>
               </a:rPr>
               <a:t>Electron Response Has Less Structure </a:t>
@@ -14178,34 +14448,34 @@
               <a:defRPr/>
             </a:pPr>
             <a:r>
-              <a:rPr lang="en-US" sz="2800" b="1">
+              <a:rPr lang="en-US" sz="2800" b="1" dirty="0">
                 <a:ea typeface="+mn-ea"/>
                 <a:sym typeface="Symbol" charset="2"/>
               </a:rPr>
               <a:t>Photon Response Can Be </a:t>
             </a:r>
             <a:r>
-              <a:rPr lang="en-US" sz="2800" b="1" i="1">
+              <a:rPr lang="en-US" sz="2800" b="1" i="1" dirty="0">
                 <a:ea typeface="+mn-ea"/>
                 <a:sym typeface="Symbol" charset="2"/>
               </a:rPr>
               <a:t>Qualitatively</a:t>
             </a:r>
             <a:r>
-              <a:rPr lang="en-US" sz="2800" b="1">
+              <a:rPr lang="en-US" sz="2800" b="1" dirty="0">
                 <a:ea typeface="+mn-ea"/>
                 <a:sym typeface="Symbol" charset="2"/>
               </a:rPr>
               <a:t> Predicted</a:t>
             </a:r>
             <a:br>
-              <a:rPr lang="en-US" sz="2800" b="1">
+              <a:rPr lang="en-US" sz="2800" b="1" dirty="0">
                 <a:ea typeface="+mn-ea"/>
                 <a:sym typeface="Symbol" charset="2"/>
               </a:rPr>
             </a:br>
             <a:r>
-              <a:rPr lang="en-US" sz="2800" b="1">
+              <a:rPr lang="en-US" sz="2800" b="1" dirty="0">
                 <a:ea typeface="+mn-ea"/>
                 <a:sym typeface="Symbol" charset="2"/>
               </a:rPr>
@@ -16994,7 +17264,7 @@
           <a:p>
             <a:pPr eaLnBrk="0" hangingPunct="0"/>
             <a:r>
-              <a:rPr lang="en-US" b="1">
+              <a:rPr lang="en-US" b="1" dirty="0">
                 <a:solidFill>
                   <a:srgbClr val="FC0128"/>
                 </a:solidFill>
@@ -17280,20 +17550,20 @@
               <a:defRPr/>
             </a:pPr>
             <a:r>
-              <a:rPr lang="en-US">
+              <a:rPr lang="en-US" dirty="0">
                 <a:ea typeface="+mj-ea"/>
                 <a:cs typeface="+mj-cs"/>
               </a:rPr>
               <a:t>Do Primary Compton &amp; Core Holes / Cascade</a:t>
             </a:r>
             <a:br>
-              <a:rPr lang="en-US">
+              <a:rPr lang="en-US" dirty="0">
                 <a:ea typeface="+mj-ea"/>
                 <a:cs typeface="+mj-cs"/>
               </a:rPr>
             </a:br>
             <a:r>
-              <a:rPr lang="en-US">
+              <a:rPr lang="en-US" dirty="0">
                 <a:ea typeface="+mj-ea"/>
                 <a:cs typeface="+mj-cs"/>
               </a:rPr>
@@ -17630,7 +17900,7 @@
           <a:p>
             <a:pPr algn="ctr" eaLnBrk="0" hangingPunct="0"/>
             <a:r>
-              <a:rPr lang="en-US" sz="2800" b="1">
+              <a:rPr lang="en-US" sz="2800" b="1" dirty="0">
                 <a:solidFill>
                   <a:schemeClr val="accent2"/>
                 </a:solidFill>
@@ -17641,7 +17911,7 @@
           <a:p>
             <a:pPr algn="ctr" eaLnBrk="0" hangingPunct="0"/>
             <a:r>
-              <a:rPr lang="en-US" sz="2800" b="1">
+              <a:rPr lang="en-US" sz="2800" b="1" dirty="0">
                 <a:solidFill>
                   <a:schemeClr val="accent2"/>
                 </a:solidFill>
@@ -22586,7 +22856,7 @@
           <a:p>
             <a:pPr eaLnBrk="0" hangingPunct="0"/>
             <a:r>
-              <a:rPr lang="en-US" b="1"/>
+              <a:rPr lang="en-US" b="1" dirty="0"/>
               <a:t>Oxides</a:t>
             </a:r>
           </a:p>
@@ -23205,7 +23475,7 @@
               <a:defRPr/>
             </a:pPr>
             <a:r>
-              <a:rPr lang="en-US" smtClean="0">
+              <a:rPr lang="en-US" dirty="0" smtClean="0">
                 <a:cs typeface="Arial" charset="0"/>
               </a:rPr>
               <a:t>Competing Processes for e/h Recombination</a:t>
@@ -25979,12 +26249,20 @@
               </a:tabLst>
             </a:pPr>
             <a:r>
-              <a:rPr lang="en-US" b="1">
+              <a:rPr lang="en-US" b="1" dirty="0" err="1">
                 <a:solidFill>
                   <a:srgbClr val="FF0000"/>
                 </a:solidFill>
               </a:rPr>
-              <a:t>Exciton: A bound state of a hole and an excited electron</a:t>
+              <a:t>Exciton</a:t>
+            </a:r>
+            <a:r>
+              <a:rPr lang="en-US" b="1" dirty="0">
+                <a:solidFill>
+                  <a:srgbClr val="FF0000"/>
+                </a:solidFill>
+              </a:rPr>
+              <a:t>: A bound state of a hole and an excited electron</a:t>
             </a:r>
           </a:p>
           <a:p>
@@ -26000,10 +26278,10 @@
               </a:tabLst>
             </a:pPr>
             <a:r>
-              <a:rPr lang="en-US" b="1"/>
+              <a:rPr lang="en-US" b="1" dirty="0"/>
               <a:t>Moves as a single particle through the lattice</a:t>
             </a:r>
-            <a:endParaRPr lang="en-US" b="1">
+            <a:endParaRPr lang="en-US" b="1" dirty="0">
               <a:cs typeface="Arial" charset="0"/>
             </a:endParaRPr>
           </a:p>
@@ -26020,10 +26298,22 @@
               </a:tabLst>
             </a:pPr>
             <a:r>
-              <a:rPr lang="en-US" b="1">
+              <a:rPr lang="en-US" b="1" dirty="0">
                 <a:cs typeface="Arial" charset="0"/>
               </a:rPr>
-              <a:t>Frequently de-excites radiatively (by emitting a photon)</a:t>
+              <a:t>Frequently de-excites </a:t>
+            </a:r>
+            <a:r>
+              <a:rPr lang="en-US" b="1" dirty="0" err="1">
+                <a:cs typeface="Arial" charset="0"/>
+              </a:rPr>
+              <a:t>radiatively</a:t>
+            </a:r>
+            <a:r>
+              <a:rPr lang="en-US" b="1" dirty="0">
+                <a:cs typeface="Arial" charset="0"/>
+              </a:rPr>
+              <a:t> (by emitting a photon)</a:t>
             </a:r>
           </a:p>
           <a:p>
@@ -26039,7 +26329,7 @@
                 <a:tab pos="6350000" algn="l"/>
               </a:tabLst>
             </a:pPr>
-            <a:endParaRPr lang="en-US" b="1">
+            <a:endParaRPr lang="en-US" b="1" dirty="0">
               <a:solidFill>
                 <a:srgbClr val="FF0000"/>
               </a:solidFill>
@@ -26060,7 +26350,7 @@
               </a:tabLst>
             </a:pPr>
             <a:r>
-              <a:rPr lang="en-US" b="1">
+              <a:rPr lang="en-US" b="1" dirty="0">
                 <a:solidFill>
                   <a:srgbClr val="FF0000"/>
                 </a:solidFill>
@@ -26069,7 +26359,7 @@
               <a:t>Auger </a:t>
             </a:r>
             <a:r>
-              <a:rPr lang="en-US" b="1">
+              <a:rPr lang="en-US" b="1" dirty="0">
                 <a:solidFill>
                   <a:srgbClr val="FC0128"/>
                 </a:solidFill>
@@ -26091,10 +26381,22 @@
               </a:tabLst>
             </a:pPr>
             <a:r>
-              <a:rPr lang="en-US" b="1">
+              <a:rPr lang="en-US" b="1" dirty="0">
                 <a:cs typeface="Arial" charset="0"/>
               </a:rPr>
-              <a:t>Initial State: Two excited state particles (e, hole, or exciton)</a:t>
+              <a:t>Initial State: Two excited state particles (e, hole, or </a:t>
+            </a:r>
+            <a:r>
+              <a:rPr lang="en-US" b="1" dirty="0" err="1">
+                <a:cs typeface="Arial" charset="0"/>
+              </a:rPr>
+              <a:t>exciton</a:t>
+            </a:r>
+            <a:r>
+              <a:rPr lang="en-US" b="1" dirty="0">
+                <a:cs typeface="Arial" charset="0"/>
+              </a:rPr>
+              <a:t>)</a:t>
             </a:r>
           </a:p>
           <a:p>
@@ -26110,7 +26412,7 @@
               </a:tabLst>
             </a:pPr>
             <a:r>
-              <a:rPr lang="en-US" b="1">
+              <a:rPr lang="en-US" b="1" dirty="0">
                 <a:cs typeface="Arial" charset="0"/>
               </a:rPr>
               <a:t>They Collide!</a:t>
@@ -26129,7 +26431,7 @@
               </a:tabLst>
             </a:pPr>
             <a:r>
-              <a:rPr lang="en-US" b="1">
+              <a:rPr lang="en-US" b="1" dirty="0">
                 <a:cs typeface="Arial" charset="0"/>
               </a:rPr>
               <a:t>Energy from Particle 1 transferred to Particle 2</a:t>
@@ -26148,7 +26450,7 @@
               </a:tabLst>
             </a:pPr>
             <a:r>
-              <a:rPr lang="en-US" b="1">
+              <a:rPr lang="en-US" b="1" dirty="0">
                 <a:cs typeface="Arial" charset="0"/>
               </a:rPr>
               <a:t>Particle 1 is now in the ground state (without radiating)</a:t>
@@ -26167,10 +26469,22 @@
               </a:tabLst>
             </a:pPr>
             <a:r>
-              <a:rPr lang="en-US" b="1">
+              <a:rPr lang="en-US" b="1" dirty="0">
                 <a:cs typeface="Arial" charset="0"/>
               </a:rPr>
-              <a:t>Particle 2 now has extra energy, which it tends to lose by thermalization (i.e., without radiating photons)</a:t>
+              <a:t>Particle 2 now has extra energy, which it tends to lose by </a:t>
+            </a:r>
+            <a:r>
+              <a:rPr lang="en-US" b="1" dirty="0" err="1">
+                <a:cs typeface="Arial" charset="0"/>
+              </a:rPr>
+              <a:t>thermalization</a:t>
+            </a:r>
+            <a:r>
+              <a:rPr lang="en-US" b="1" dirty="0">
+                <a:cs typeface="Arial" charset="0"/>
+              </a:rPr>
+              <a:t> (i.e., without radiating photons)</a:t>
             </a:r>
           </a:p>
         </p:txBody>
@@ -26432,7 +26746,7 @@
               <a:defRPr/>
             </a:pPr>
             <a:r>
-              <a:rPr lang="en-US" b="1">
+              <a:rPr lang="en-US" b="1" dirty="0">
                 <a:ea typeface="ＭＳ Ｐゴシック" charset="-128"/>
                 <a:cs typeface="Arial" charset="0"/>
               </a:rPr>
@@ -26452,7 +26766,7 @@
               <a:defRPr/>
             </a:pPr>
             <a:r>
-              <a:rPr lang="en-US" b="1">
+              <a:rPr lang="en-US" b="1" dirty="0">
                 <a:ea typeface="ＭＳ Ｐゴシック" charset="-128"/>
                 <a:cs typeface="Arial" charset="0"/>
               </a:rPr>
@@ -26472,12 +26786,23 @@
               <a:defRPr/>
             </a:pPr>
             <a:r>
-              <a:rPr lang="en-US" b="1">
+              <a:rPr lang="en-US" b="1" dirty="0">
                 <a:ea typeface="ＭＳ Ｐゴシック" charset="-128"/>
                 <a:cs typeface="Arial" charset="0"/>
               </a:rPr>
-              <a:t>Fraction of Geminate Excitons</a:t>
-            </a:r>
+              <a:t>Fraction of Geminate </a:t>
+            </a:r>
+            <a:r>
+              <a:rPr lang="en-US" b="1" dirty="0" err="1">
+                <a:ea typeface="ＭＳ Ｐゴシック" charset="-128"/>
+                <a:cs typeface="Arial" charset="0"/>
+              </a:rPr>
+              <a:t>Excitons</a:t>
+            </a:r>
+            <a:endParaRPr lang="en-US" b="1" dirty="0">
+              <a:ea typeface="ＭＳ Ｐゴシック" charset="-128"/>
+              <a:cs typeface="Arial" charset="0"/>
+            </a:endParaRPr>
           </a:p>
         </p:txBody>
       </p:sp>
@@ -26524,12 +26849,28 @@
               </a:tabLst>
             </a:pPr>
             <a:r>
-              <a:rPr lang="en-US" b="1">
+              <a:rPr lang="en-US" b="1" dirty="0">
                 <a:solidFill>
                   <a:srgbClr val="FF0000"/>
                 </a:solidFill>
               </a:rPr>
-              <a:t>Only Excitons Luminesce</a:t>
+              <a:t>Only </a:t>
+            </a:r>
+            <a:r>
+              <a:rPr lang="en-US" b="1" dirty="0" err="1">
+                <a:solidFill>
+                  <a:srgbClr val="FF0000"/>
+                </a:solidFill>
+              </a:rPr>
+              <a:t>Excitons</a:t>
+            </a:r>
+            <a:r>
+              <a:rPr lang="en-US" b="1" dirty="0">
+                <a:solidFill>
+                  <a:srgbClr val="FF0000"/>
+                </a:solidFill>
+              </a:rPr>
+              <a:t> Luminesce</a:t>
             </a:r>
           </a:p>
           <a:p>
@@ -26545,12 +26886,12 @@
               </a:tabLst>
             </a:pPr>
             <a:r>
-              <a:rPr lang="en-US" b="1">
+              <a:rPr lang="en-US" b="1" dirty="0">
                 <a:cs typeface="Arial" charset="0"/>
               </a:rPr>
               <a:t>Free electrons or holes get trapped / quenched</a:t>
             </a:r>
-            <a:endParaRPr lang="en-US" b="1">
+            <a:endParaRPr lang="en-US" b="1" dirty="0">
               <a:solidFill>
                 <a:srgbClr val="FF0000"/>
               </a:solidFill>
@@ -26571,7 +26912,7 @@
               </a:tabLst>
             </a:pPr>
             <a:r>
-              <a:rPr lang="en-US" b="1">
+              <a:rPr lang="en-US" b="1" dirty="0">
                 <a:solidFill>
                   <a:srgbClr val="FF0000"/>
                 </a:solidFill>
@@ -26593,7 +26934,7 @@
               </a:tabLst>
             </a:pPr>
             <a:r>
-              <a:rPr lang="en-US" b="1">
+              <a:rPr lang="en-US" b="1" dirty="0">
                 <a:solidFill>
                   <a:srgbClr val="000000"/>
                 </a:solidFill>
@@ -26601,7 +26942,7 @@
               </a:rPr>
               <a:t>Initial ionization density used</a:t>
             </a:r>
-            <a:endParaRPr lang="en-US" b="1">
+            <a:endParaRPr lang="en-US" b="1" dirty="0">
               <a:solidFill>
                 <a:srgbClr val="FF0000"/>
               </a:solidFill>
@@ -26622,7 +26963,7 @@
               </a:tabLst>
             </a:pPr>
             <a:r>
-              <a:rPr lang="en-US" b="1">
+              <a:rPr lang="en-US" b="1" dirty="0">
                 <a:solidFill>
                   <a:srgbClr val="FF0000"/>
                 </a:solidFill>
@@ -26644,10 +26985,22 @@
               </a:tabLst>
             </a:pPr>
             <a:r>
-              <a:rPr lang="en-US" b="1">
+              <a:rPr lang="en-US" b="1" dirty="0">
                 <a:cs typeface="Arial" charset="0"/>
               </a:rPr>
-              <a:t>Colliding excitons de-excite</a:t>
+              <a:t>Colliding </a:t>
+            </a:r>
+            <a:r>
+              <a:rPr lang="en-US" b="1" dirty="0" err="1">
+                <a:cs typeface="Arial" charset="0"/>
+              </a:rPr>
+              <a:t>excitons</a:t>
+            </a:r>
+            <a:r>
+              <a:rPr lang="en-US" b="1" dirty="0">
+                <a:cs typeface="Arial" charset="0"/>
+              </a:rPr>
+              <a:t> de-excite</a:t>
             </a:r>
           </a:p>
           <a:p>
@@ -26663,12 +27016,12 @@
               </a:tabLst>
             </a:pPr>
             <a:r>
-              <a:rPr lang="en-US" b="1">
+              <a:rPr lang="en-US" b="1" dirty="0">
                 <a:cs typeface="Arial" charset="0"/>
               </a:rPr>
               <a:t>“Birks” mechanism</a:t>
             </a:r>
-            <a:endParaRPr lang="en-US" b="1">
+            <a:endParaRPr lang="en-US" b="1" dirty="0">
               <a:solidFill>
                 <a:srgbClr val="FF0000"/>
               </a:solidFill>
@@ -26689,13 +27042,31 @@
               </a:tabLst>
             </a:pPr>
             <a:r>
-              <a:rPr lang="en-US" b="1">
+              <a:rPr lang="en-US" b="1" dirty="0">
                 <a:solidFill>
                   <a:srgbClr val="FF0000"/>
                 </a:solidFill>
                 <a:cs typeface="Arial" charset="0"/>
               </a:rPr>
-              <a:t>At Low Excitation Density, Exciton Formation Hindered</a:t>
+              <a:t>At Low Excitation Density, </a:t>
+            </a:r>
+            <a:r>
+              <a:rPr lang="en-US" b="1" dirty="0" err="1">
+                <a:solidFill>
+                  <a:srgbClr val="FF0000"/>
+                </a:solidFill>
+                <a:cs typeface="Arial" charset="0"/>
+              </a:rPr>
+              <a:t>Exciton</a:t>
+            </a:r>
+            <a:r>
+              <a:rPr lang="en-US" b="1" dirty="0">
+                <a:solidFill>
+                  <a:srgbClr val="FF0000"/>
+                </a:solidFill>
+                <a:cs typeface="Arial" charset="0"/>
+              </a:rPr>
+              <a:t> Formation Hindered</a:t>
             </a:r>
           </a:p>
           <a:p>
@@ -26711,7 +27082,7 @@
               </a:tabLst>
             </a:pPr>
             <a:r>
-              <a:rPr lang="en-US" b="1">
+              <a:rPr lang="en-US" b="1" dirty="0">
                 <a:solidFill>
                   <a:srgbClr val="000000"/>
                 </a:solidFill>
@@ -26733,13 +27104,31 @@
               </a:tabLst>
             </a:pPr>
             <a:r>
-              <a:rPr lang="en-US" b="1">
+              <a:rPr lang="en-US" b="1" dirty="0">
                 <a:solidFill>
                   <a:srgbClr val="000000"/>
                 </a:solidFill>
                 <a:cs typeface="Arial" charset="0"/>
               </a:rPr>
-              <a:t>Some “geminate” excitons (formed at time zero)</a:t>
+              <a:t>Some “geminate” </a:t>
+            </a:r>
+            <a:r>
+              <a:rPr lang="en-US" b="1" dirty="0" err="1">
+                <a:solidFill>
+                  <a:srgbClr val="000000"/>
+                </a:solidFill>
+                <a:cs typeface="Arial" charset="0"/>
+              </a:rPr>
+              <a:t>excitons</a:t>
+            </a:r>
+            <a:r>
+              <a:rPr lang="en-US" b="1" dirty="0">
+                <a:solidFill>
+                  <a:srgbClr val="000000"/>
+                </a:solidFill>
+                <a:cs typeface="Arial" charset="0"/>
+              </a:rPr>
+              <a:t> (formed at time zero)</a:t>
             </a:r>
           </a:p>
         </p:txBody>
@@ -27144,7 +27533,7 @@
         </p:nvGraphicFramePr>
         <p:xfrm>
           <a:off x="6972300" y="1412875"/>
-          <a:ext cx="2819400" cy="5368925"/>
+          <a:ext cx="2819400" cy="5368290"/>
         </p:xfrm>
         <a:graphic>
           <a:graphicData uri="http://schemas.openxmlformats.org/drawingml/2006/table">
@@ -35030,7 +35419,7 @@
               <a:defRPr/>
             </a:pPr>
             <a:r>
-              <a:rPr lang="en-US" b="1">
+              <a:rPr lang="en-US" b="1" dirty="0">
                 <a:ea typeface="Arial" charset="0"/>
                 <a:cs typeface="Arial" charset="0"/>
               </a:rPr>
@@ -35050,7 +35439,7 @@
               <a:defRPr/>
             </a:pPr>
             <a:r>
-              <a:rPr lang="en-US" b="1">
+              <a:rPr lang="en-US" b="1" dirty="0">
                 <a:ea typeface="Arial" charset="0"/>
                 <a:cs typeface="Arial" charset="0"/>
               </a:rPr>
@@ -35070,7 +35459,7 @@
               <a:defRPr/>
             </a:pPr>
             <a:r>
-              <a:rPr lang="en-US" b="1">
+              <a:rPr lang="en-US" b="1" dirty="0">
                 <a:ea typeface="Arial" charset="0"/>
                 <a:cs typeface="Arial" charset="0"/>
               </a:rPr>
@@ -35258,7 +35647,7 @@
               </a:tabLst>
             </a:pPr>
             <a:r>
-              <a:rPr lang="en-US" b="1">
+              <a:rPr lang="en-US" b="1" dirty="0">
                 <a:solidFill>
                   <a:srgbClr val="FF0000"/>
                 </a:solidFill>
@@ -35279,14 +35668,14 @@
               </a:tabLst>
             </a:pPr>
             <a:r>
-              <a:rPr lang="en-US" b="1">
+              <a:rPr lang="en-US" b="1" dirty="0">
                 <a:solidFill>
                   <a:srgbClr val="000000"/>
                 </a:solidFill>
               </a:rPr>
               <a:t>Rate equations determine propagation with time</a:t>
             </a:r>
-            <a:endParaRPr lang="en-US" b="1">
+            <a:endParaRPr lang="en-US" b="1" dirty="0">
               <a:solidFill>
                 <a:srgbClr val="FF0000"/>
               </a:solidFill>
@@ -35306,7 +35695,7 @@
               </a:tabLst>
             </a:pPr>
             <a:r>
-              <a:rPr lang="en-US" b="1">
+              <a:rPr lang="en-US" b="1" dirty="0">
                 <a:solidFill>
                   <a:srgbClr val="FF0000"/>
                 </a:solidFill>
@@ -35327,14 +35716,22 @@
               </a:tabLst>
             </a:pPr>
             <a:r>
-              <a:rPr lang="en-US" b="1">
+              <a:rPr lang="en-US" b="1" dirty="0">
                 <a:solidFill>
                   <a:srgbClr val="000000"/>
                 </a:solidFill>
               </a:rPr>
-              <a:t>Free electrons, free holes, and excitons</a:t>
-            </a:r>
-            <a:endParaRPr lang="en-US" b="1">
+              <a:t>Free electrons, free holes, and </a:t>
+            </a:r>
+            <a:r>
+              <a:rPr lang="en-US" b="1" dirty="0" err="1">
+                <a:solidFill>
+                  <a:srgbClr val="000000"/>
+                </a:solidFill>
+              </a:rPr>
+              <a:t>excitons</a:t>
+            </a:r>
+            <a:endParaRPr lang="en-US" b="1" dirty="0">
               <a:solidFill>
                 <a:srgbClr val="000000"/>
               </a:solidFill>
@@ -35354,13 +35751,31 @@
               </a:tabLst>
             </a:pPr>
             <a:r>
-              <a:rPr lang="en-US" b="1">
+              <a:rPr lang="en-US" b="1" dirty="0">
                 <a:solidFill>
                   <a:srgbClr val="000000"/>
                 </a:solidFill>
                 <a:cs typeface="Arial" charset="0"/>
               </a:rPr>
-              <a:t>Some “geminate” excitons formed</a:t>
+              <a:t>Some “geminate” </a:t>
+            </a:r>
+            <a:r>
+              <a:rPr lang="en-US" b="1" dirty="0" err="1">
+                <a:solidFill>
+                  <a:srgbClr val="000000"/>
+                </a:solidFill>
+                <a:cs typeface="Arial" charset="0"/>
+              </a:rPr>
+              <a:t>excitons</a:t>
+            </a:r>
+            <a:r>
+              <a:rPr lang="en-US" b="1" dirty="0">
+                <a:solidFill>
+                  <a:srgbClr val="000000"/>
+                </a:solidFill>
+                <a:cs typeface="Arial" charset="0"/>
+              </a:rPr>
+              <a:t> formed</a:t>
             </a:r>
           </a:p>
           <a:p>
@@ -35377,7 +35792,7 @@
               </a:tabLst>
             </a:pPr>
             <a:r>
-              <a:rPr lang="en-US" b="1">
+              <a:rPr lang="en-US" b="1" dirty="0">
                 <a:solidFill>
                   <a:srgbClr val="FF0000"/>
                 </a:solidFill>
@@ -35399,10 +35814,16 @@
               </a:tabLst>
             </a:pPr>
             <a:r>
-              <a:rPr lang="en-US" b="1">
+              <a:rPr lang="en-US" b="1" dirty="0" err="1">
                 <a:cs typeface="Arial" charset="0"/>
               </a:rPr>
-              <a:t>Excitonic emission</a:t>
+              <a:t>Excitonic</a:t>
+            </a:r>
+            <a:r>
+              <a:rPr lang="en-US" b="1" dirty="0">
+                <a:cs typeface="Arial" charset="0"/>
+              </a:rPr>
+              <a:t> emission</a:t>
             </a:r>
           </a:p>
           <a:p>
@@ -35418,12 +35839,12 @@
               </a:tabLst>
             </a:pPr>
             <a:r>
-              <a:rPr lang="en-US" b="1">
+              <a:rPr lang="en-US" b="1" dirty="0">
                 <a:cs typeface="Arial" charset="0"/>
               </a:rPr>
               <a:t>Sequential free electron &amp; free hole capture</a:t>
             </a:r>
-            <a:endParaRPr lang="en-US" b="1">
+            <a:endParaRPr lang="en-US" b="1" dirty="0">
               <a:solidFill>
                 <a:srgbClr val="FF0000"/>
               </a:solidFill>
@@ -35444,7 +35865,7 @@
               </a:tabLst>
             </a:pPr>
             <a:r>
-              <a:rPr lang="en-US" b="1">
+              <a:rPr lang="en-US" b="1" dirty="0">
                 <a:solidFill>
                   <a:srgbClr val="FF0000"/>
                 </a:solidFill>
@@ -35466,10 +35887,22 @@
               </a:tabLst>
             </a:pPr>
             <a:r>
-              <a:rPr lang="en-US" b="1">
+              <a:rPr lang="en-US" b="1" dirty="0">
                 <a:cs typeface="Arial" charset="0"/>
               </a:rPr>
-              <a:t>Colliding excitons de-excite (“Birks” mechanism)</a:t>
+              <a:t>Colliding </a:t>
+            </a:r>
+            <a:r>
+              <a:rPr lang="en-US" b="1" dirty="0" err="1">
+                <a:cs typeface="Arial" charset="0"/>
+              </a:rPr>
+              <a:t>excitons</a:t>
+            </a:r>
+            <a:r>
+              <a:rPr lang="en-US" b="1" dirty="0">
+                <a:cs typeface="Arial" charset="0"/>
+              </a:rPr>
+              <a:t> de-excite (“Birks” mechanism)</a:t>
             </a:r>
           </a:p>
           <a:p>
@@ -35485,7 +35918,7 @@
               </a:tabLst>
             </a:pPr>
             <a:r>
-              <a:rPr lang="en-US" b="1">
+              <a:rPr lang="en-US" b="1" dirty="0">
                 <a:cs typeface="Arial" charset="0"/>
               </a:rPr>
               <a:t>Trapping on impurities / defects</a:t>
@@ -35671,9 +36104,82 @@
         </p:xfrm>
         <a:graphic>
           <a:graphicData uri="http://schemas.openxmlformats.org/presentationml/2006/ole">
-            <p:oleObj spid="_x0000_s84994" name="Equation" r:id="rId4" imgW="4711700" imgH="736600" progId="Equation.3">
-              <p:embed/>
-            </p:oleObj>
+            <mc:AlternateContent xmlns:mc="http://schemas.openxmlformats.org/markup-compatibility/2006">
+              <mc:Choice xmlns:v="urn:schemas-microsoft-com:vml" Requires="v">
+                <p:oleObj spid="_x0000_s85035" name="Equation" r:id="rId4" imgW="4711700" imgH="736600" progId="Equation.3">
+                  <p:embed/>
+                </p:oleObj>
+              </mc:Choice>
+              <mc:Fallback>
+                <p:oleObj name="Equation" r:id="rId4" imgW="4711700" imgH="736600" progId="Equation.3">
+                  <p:embed/>
+                  <p:pic>
+                    <p:nvPicPr>
+                      <p:cNvPr id="0" name="Picture 2"/>
+                      <p:cNvPicPr>
+                        <a:picLocks noChangeAspect="1" noChangeArrowheads="1"/>
+                      </p:cNvPicPr>
+                      <p:nvPr/>
+                    </p:nvPicPr>
+                    <p:blipFill>
+                      <a:blip r:embed="rId5">
+                        <a:extLst>
+                          <a:ext uri="{28A0092B-C50C-407E-A947-70E740481C1C}">
+                            <a14:useLocalDpi xmlns:a14="http://schemas.microsoft.com/office/drawing/2010/main" val="0"/>
+                          </a:ext>
+                        </a:extLst>
+                      </a:blip>
+                      <a:srcRect/>
+                      <a:stretch>
+                        <a:fillRect/>
+                      </a:stretch>
+                    </p:blipFill>
+                    <p:spPr bwMode="auto">
+                      <a:xfrm>
+                        <a:off x="2493963" y="1066800"/>
+                        <a:ext cx="5300662" cy="736600"/>
+                      </a:xfrm>
+                      <a:prstGeom prst="rect">
+                        <a:avLst/>
+                      </a:prstGeom>
+                      <a:noFill/>
+                      <a:ln>
+                        <a:noFill/>
+                      </a:ln>
+                      <a:effectLst/>
+                      <a:extLst>
+                        <a:ext uri="{909E8E84-426E-40DD-AFC4-6F175D3DCCD1}">
+                          <a14:hiddenFill xmlns:a14="http://schemas.microsoft.com/office/drawing/2010/main">
+                            <a:solidFill>
+                              <a:schemeClr val="accent1"/>
+                            </a:solidFill>
+                          </a14:hiddenFill>
+                        </a:ext>
+                        <a:ext uri="{91240B29-F687-4F45-9708-019B960494DF}">
+                          <a14:hiddenLine xmlns:a14="http://schemas.microsoft.com/office/drawing/2010/main" w="9525">
+                            <a:solidFill>
+                              <a:schemeClr val="tx1"/>
+                            </a:solidFill>
+                            <a:miter lim="800000"/>
+                            <a:headEnd/>
+                            <a:tailEnd/>
+                          </a14:hiddenLine>
+                        </a:ext>
+                        <a:ext uri="{AF507438-7753-43E0-B8FC-AC1667EBCBE1}">
+                          <a14:hiddenEffects xmlns:a14="http://schemas.microsoft.com/office/drawing/2010/main">
+                            <a:effectLst>
+                              <a:outerShdw dist="35921" dir="2700000" algn="ctr" rotWithShape="0">
+                                <a:schemeClr val="bg2"/>
+                              </a:outerShdw>
+                            </a:effectLst>
+                          </a14:hiddenEffects>
+                        </a:ext>
+                      </a:extLst>
+                    </p:spPr>
+                  </p:pic>
+                </p:oleObj>
+              </mc:Fallback>
+            </mc:AlternateContent>
           </a:graphicData>
         </a:graphic>
       </p:graphicFrame>
@@ -36154,17 +36660,17 @@
               <a:defRPr/>
             </a:pPr>
             <a:r>
-              <a:rPr lang="en-US" smtClean="0"/>
+              <a:rPr lang="en-US" dirty="0" smtClean="0"/>
               <a:t>Approach 3: Diffusion Model</a:t>
             </a:r>
             <a:br>
-              <a:rPr lang="en-US" smtClean="0"/>
+              <a:rPr lang="en-US" dirty="0" smtClean="0"/>
             </a:br>
             <a:r>
-              <a:rPr lang="en-US" sz="2400" smtClean="0"/>
+              <a:rPr lang="en-US" sz="2400" dirty="0" smtClean="0"/>
               <a:t>(Richard Williams)</a:t>
             </a:r>
-            <a:endParaRPr lang="en-US" smtClean="0"/>
+            <a:endParaRPr lang="en-US" dirty="0" smtClean="0"/>
           </a:p>
         </p:txBody>
       </p:sp>
@@ -36572,7 +37078,7 @@
               <a:buChar char="•"/>
             </a:pPr>
             <a:r>
-              <a:rPr lang="en-US" b="1">
+              <a:rPr lang="en-US" b="1" dirty="0">
                 <a:cs typeface="Arial" charset="0"/>
               </a:rPr>
               <a:t>Non-Proportionality Depends on Volumetric Ionization Density</a:t>
@@ -36587,19 +37093,19 @@
               <a:buChar char="•"/>
             </a:pPr>
             <a:r>
-              <a:rPr lang="en-US" b="1">
+              <a:rPr lang="en-US" b="1" dirty="0">
                 <a:cs typeface="Arial" charset="0"/>
               </a:rPr>
               <a:t>Bethe-Bloch Equation Gives </a:t>
             </a:r>
             <a:r>
-              <a:rPr lang="en-US" b="1" i="1">
+              <a:rPr lang="en-US" b="1" i="1" dirty="0">
                 <a:cs typeface="Arial" charset="0"/>
               </a:rPr>
               <a:t>Linear </a:t>
             </a:r>
             <a:r>
-              <a:rPr lang="en-US" b="1">
+              <a:rPr lang="en-US" b="1" dirty="0">
                 <a:cs typeface="Arial" charset="0"/>
               </a:rPr>
               <a:t>Ionization Density</a:t>
@@ -36614,19 +37120,19 @@
               <a:buChar char="•"/>
             </a:pPr>
             <a:r>
-              <a:rPr lang="en-US" b="1">
+              <a:rPr lang="en-US" b="1" dirty="0">
                 <a:cs typeface="Arial" charset="0"/>
               </a:rPr>
               <a:t>Need Track Radius to Compute </a:t>
             </a:r>
             <a:r>
-              <a:rPr lang="en-US" b="1" i="1">
+              <a:rPr lang="en-US" b="1" i="1" dirty="0">
                 <a:cs typeface="Arial" charset="0"/>
               </a:rPr>
               <a:t>Volumetric </a:t>
             </a:r>
             <a:r>
-              <a:rPr lang="en-US" b="1">
+              <a:rPr lang="en-US" b="1" dirty="0">
                 <a:cs typeface="Arial" charset="0"/>
               </a:rPr>
               <a:t>Ionization Density</a:t>
@@ -36700,9 +37206,59 @@
         </p:xfrm>
         <a:graphic>
           <a:graphicData uri="http://schemas.openxmlformats.org/presentationml/2006/ole">
-            <p:oleObj spid="_x0000_s89090" name="Equation" r:id="rId4" imgW="6134100" imgH="1092200" progId="Equation.3">
-              <p:embed/>
-            </p:oleObj>
+            <mc:AlternateContent xmlns:mc="http://schemas.openxmlformats.org/markup-compatibility/2006">
+              <mc:Choice xmlns:v="urn:schemas-microsoft-com:vml" Requires="v">
+                <p:oleObj spid="_x0000_s89131" name="Equation" r:id="rId4" imgW="6134100" imgH="1092200" progId="Equation.3">
+                  <p:embed/>
+                </p:oleObj>
+              </mc:Choice>
+              <mc:Fallback>
+                <p:oleObj name="Equation" r:id="rId4" imgW="6134100" imgH="1092200" progId="Equation.3">
+                  <p:embed/>
+                  <p:pic>
+                    <p:nvPicPr>
+                      <p:cNvPr id="0" name="Picture 2"/>
+                      <p:cNvPicPr>
+                        <a:picLocks noChangeAspect="1" noChangeArrowheads="1"/>
+                      </p:cNvPicPr>
+                      <p:nvPr/>
+                    </p:nvPicPr>
+                    <p:blipFill>
+                      <a:blip r:embed="rId5">
+                        <a:extLst>
+                          <a:ext uri="{28A0092B-C50C-407E-A947-70E740481C1C}">
+                            <a14:useLocalDpi xmlns:a14="http://schemas.microsoft.com/office/drawing/2010/main" val="0"/>
+                          </a:ext>
+                        </a:extLst>
+                      </a:blip>
+                      <a:srcRect/>
+                      <a:stretch>
+                        <a:fillRect/>
+                      </a:stretch>
+                    </p:blipFill>
+                    <p:spPr bwMode="auto">
+                      <a:xfrm>
+                        <a:off x="1890713" y="2443163"/>
+                        <a:ext cx="6210300" cy="982662"/>
+                      </a:xfrm>
+                      <a:prstGeom prst="rect">
+                        <a:avLst/>
+                      </a:prstGeom>
+                      <a:noFill/>
+                      <a:extLst>
+                        <a:ext uri="{909E8E84-426E-40DD-AFC4-6F175D3DCCD1}">
+                          <a14:hiddenFill xmlns:a14="http://schemas.microsoft.com/office/drawing/2010/main">
+                            <a:solidFill>
+                              <a:srgbClr val="FFFFFF"/>
+                            </a:solidFill>
+                          </a14:hiddenFill>
+                        </a:ext>
+                      </a:extLst>
+                    </p:spPr>
+                  </p:pic>
+                </p:oleObj>
+              </mc:Fallback>
+            </mc:AlternateContent>
           </a:graphicData>
         </a:graphic>
       </p:graphicFrame>
@@ -37833,7 +38389,7 @@
               <a:buChar char="•"/>
             </a:pPr>
             <a:r>
-              <a:rPr lang="en-US" b="1"/>
+              <a:rPr lang="en-US" b="1" dirty="0"/>
               <a:t>Sets time scale to reach equilibrium</a:t>
             </a:r>
           </a:p>
@@ -37846,66 +38402,66 @@
               <a:buChar char="•"/>
             </a:pPr>
             <a:r>
-              <a:rPr lang="en-US" b="1"/>
+              <a:rPr lang="en-US" b="1" dirty="0"/>
               <a:t>High mobility implies that electrons &amp; holes separate rapidly</a:t>
             </a:r>
             <a:br>
-              <a:rPr lang="en-US" b="1"/>
+              <a:rPr lang="en-US" b="1" dirty="0"/>
             </a:br>
             <a:r>
-              <a:rPr lang="en-US" b="1">
+              <a:rPr lang="en-US" b="1" dirty="0">
                 <a:sym typeface="Wingdings" pitchFamily="2" charset="2"/>
               </a:rPr>
               <a:t> Ionization density becomes </a:t>
             </a:r>
             <a:r>
-              <a:rPr lang="en-US" b="1" i="1">
+              <a:rPr lang="en-US" b="1" i="1" dirty="0">
                 <a:sym typeface="Wingdings" pitchFamily="2" charset="2"/>
               </a:rPr>
               <a:t>Very </a:t>
             </a:r>
             <a:r>
-              <a:rPr lang="en-US" b="1">
+              <a:rPr lang="en-US" b="1" dirty="0">
                 <a:sym typeface="Wingdings" pitchFamily="2" charset="2"/>
               </a:rPr>
               <a:t>low in a </a:t>
             </a:r>
             <a:r>
-              <a:rPr lang="en-US" b="1" i="1">
+              <a:rPr lang="en-US" b="1" i="1" dirty="0">
                 <a:sym typeface="Wingdings" pitchFamily="2" charset="2"/>
               </a:rPr>
               <a:t>Very </a:t>
             </a:r>
             <a:r>
-              <a:rPr lang="en-US" b="1">
+              <a:rPr lang="en-US" b="1" dirty="0">
                 <a:sym typeface="Wingdings" pitchFamily="2" charset="2"/>
               </a:rPr>
               <a:t>short time</a:t>
             </a:r>
             <a:br>
-              <a:rPr lang="en-US" b="1">
+              <a:rPr lang="en-US" b="1" dirty="0">
                 <a:sym typeface="Wingdings" pitchFamily="2" charset="2"/>
               </a:rPr>
             </a:br>
             <a:r>
-              <a:rPr lang="en-US" b="1">
+              <a:rPr lang="en-US" b="1" dirty="0">
                 <a:sym typeface="Wingdings" pitchFamily="2" charset="2"/>
               </a:rPr>
               <a:t> Auger (non-radiative) processes are </a:t>
             </a:r>
             <a:r>
-              <a:rPr lang="en-US" b="1" i="1">
+              <a:rPr lang="en-US" b="1" i="1" dirty="0">
                 <a:sym typeface="Wingdings" pitchFamily="2" charset="2"/>
               </a:rPr>
               <a:t>Greatly </a:t>
             </a:r>
             <a:r>
-              <a:rPr lang="en-US" b="1">
+              <a:rPr lang="en-US" b="1" dirty="0">
                 <a:sym typeface="Wingdings" pitchFamily="2" charset="2"/>
               </a:rPr>
               <a:t>suppressed!</a:t>
             </a:r>
-            <a:endParaRPr lang="en-US" b="1" baseline="30000"/>
+            <a:endParaRPr lang="en-US" b="1" baseline="30000" dirty="0"/>
           </a:p>
         </p:txBody>
       </p:sp>
@@ -38296,7 +38852,7 @@
           <a:p>
             <a:pPr eaLnBrk="0" hangingPunct="0"/>
             <a:r>
-              <a:rPr lang="en-US" sz="1400"/>
+              <a:rPr lang="en-US" sz="1400" dirty="0"/>
               <a:t>Figure from R. Williams, et al., SCINT11, Giessen, Germany</a:t>
             </a:r>
           </a:p>
@@ -39989,7 +40545,7 @@
               <a:defRPr/>
             </a:pPr>
             <a:r>
-              <a:rPr lang="en-US" sz="2800" b="1">
+              <a:rPr lang="en-US" sz="2800" b="1" dirty="0">
                 <a:ea typeface="+mn-ea"/>
               </a:rPr>
               <a:t>A Few Layers Peeled, but</a:t>
@@ -40008,7 +40564,7 @@
               <a:defRPr/>
             </a:pPr>
             <a:r>
-              <a:rPr lang="en-US" sz="2800" b="1">
+              <a:rPr lang="en-US" sz="2800" b="1" dirty="0">
                 <a:ea typeface="+mn-ea"/>
               </a:rPr>
               <a:t>Plenty of Onion Left! </a:t>
@@ -40191,7 +40747,7 @@
               </a:tabLst>
             </a:pPr>
             <a:r>
-              <a:rPr lang="en-US" sz="2800" b="1">
+              <a:rPr lang="en-US" sz="2800" b="1" dirty="0">
                 <a:solidFill>
                   <a:schemeClr val="accent1"/>
                 </a:solidFill>
@@ -40212,12 +40768,28 @@
               </a:tabLst>
             </a:pPr>
             <a:r>
-              <a:rPr lang="en-US" sz="2800" b="1">
+              <a:rPr lang="en-US" sz="2800" b="1" dirty="0">
                 <a:solidFill>
                   <a:schemeClr val="accent1"/>
                 </a:solidFill>
               </a:rPr>
-              <a:t>Gregory Bizarri, LBNL</a:t>
+              <a:t>Gregory </a:t>
+            </a:r>
+            <a:r>
+              <a:rPr lang="en-US" sz="2800" b="1" dirty="0" err="1">
+                <a:solidFill>
+                  <a:schemeClr val="accent1"/>
+                </a:solidFill>
+              </a:rPr>
+              <a:t>Bizarri</a:t>
+            </a:r>
+            <a:r>
+              <a:rPr lang="en-US" sz="2800" b="1" dirty="0">
+                <a:solidFill>
+                  <a:schemeClr val="accent1"/>
+                </a:solidFill>
+              </a:rPr>
+              <a:t>, LBNL</a:t>
             </a:r>
           </a:p>
           <a:p>
@@ -40233,7 +40805,7 @@
               </a:tabLst>
             </a:pPr>
             <a:r>
-              <a:rPr lang="en-US" sz="2800" b="1">
+              <a:rPr lang="en-US" sz="2800" b="1" dirty="0">
                 <a:solidFill>
                   <a:schemeClr val="accent1"/>
                 </a:solidFill>
@@ -40254,13 +40826,26 @@
               </a:tabLst>
             </a:pPr>
             <a:r>
-              <a:rPr lang="en-US" sz="2800" b="1">
+              <a:rPr lang="en-US" sz="2800" b="1" dirty="0">
                 <a:solidFill>
                   <a:schemeClr val="accent1"/>
                 </a:solidFill>
               </a:rPr>
-              <a:t>Giulia Hull, IPN Orsay</a:t>
-            </a:r>
+              <a:t>Giulia Hull, IPN </a:t>
+            </a:r>
+            <a:r>
+              <a:rPr lang="en-US" sz="2800" b="1" dirty="0" err="1">
+                <a:solidFill>
+                  <a:schemeClr val="accent1"/>
+                </a:solidFill>
+              </a:rPr>
+              <a:t>Orsay</a:t>
+            </a:r>
+            <a:endParaRPr lang="en-US" sz="2800" b="1" dirty="0">
+              <a:solidFill>
+                <a:schemeClr val="accent1"/>
+              </a:solidFill>
+            </a:endParaRPr>
           </a:p>
           <a:p>
             <a:pPr marL="457200" indent="-457200" eaLnBrk="0" hangingPunct="0">
@@ -40275,7 +40860,7 @@
               </a:tabLst>
             </a:pPr>
             <a:r>
-              <a:rPr lang="en-US" sz="2800" b="1">
+              <a:rPr lang="en-US" sz="2800" b="1" dirty="0">
                 <a:solidFill>
                   <a:schemeClr val="accent1"/>
                 </a:solidFill>
@@ -40296,12 +40881,28 @@
               </a:tabLst>
             </a:pPr>
             <a:r>
-              <a:rPr lang="en-US" sz="2800" b="1">
+              <a:rPr lang="en-US" sz="2800" b="1" dirty="0">
                 <a:solidFill>
                   <a:schemeClr val="accent1"/>
                 </a:solidFill>
               </a:rPr>
-              <a:t>Andrey Vasil’ev, Moscow State University</a:t>
+              <a:t>Andrey </a:t>
+            </a:r>
+            <a:r>
+              <a:rPr lang="en-US" sz="2800" b="1" dirty="0" err="1">
+                <a:solidFill>
+                  <a:schemeClr val="accent1"/>
+                </a:solidFill>
+              </a:rPr>
+              <a:t>Vasil’ev</a:t>
+            </a:r>
+            <a:r>
+              <a:rPr lang="en-US" sz="2800" b="1" dirty="0">
+                <a:solidFill>
+                  <a:schemeClr val="accent1"/>
+                </a:solidFill>
+              </a:rPr>
+              <a:t>, Moscow State University</a:t>
             </a:r>
           </a:p>
           <a:p>
@@ -40317,14 +40918,14 @@
               </a:tabLst>
             </a:pPr>
             <a:r>
-              <a:rPr lang="en-US" sz="2800" b="1">
+              <a:rPr lang="en-US" sz="2800" b="1" dirty="0">
                 <a:solidFill>
                   <a:schemeClr val="accent1"/>
                 </a:solidFill>
               </a:rPr>
               <a:t>And Many, Many More, Including…</a:t>
             </a:r>
-            <a:endParaRPr lang="en-US" sz="2800" b="1"/>
+            <a:endParaRPr lang="en-US" sz="2800" b="1" dirty="0"/>
           </a:p>
         </p:txBody>
       </p:sp>
@@ -41252,20 +41853,20 @@
               <a:defRPr/>
             </a:pPr>
             <a:r>
-              <a:rPr lang="en-US">
+              <a:rPr lang="en-US" dirty="0">
                 <a:ea typeface="+mj-ea"/>
                 <a:cs typeface="+mj-cs"/>
               </a:rPr>
               <a:t>1995: Non-Proportionality Resurrected</a:t>
             </a:r>
             <a:br>
-              <a:rPr lang="en-US">
+              <a:rPr lang="en-US" dirty="0">
                 <a:ea typeface="+mj-ea"/>
                 <a:cs typeface="+mj-cs"/>
               </a:rPr>
             </a:br>
             <a:r>
-              <a:rPr lang="en-US">
+              <a:rPr lang="en-US" dirty="0">
                 <a:ea typeface="+mj-ea"/>
                 <a:cs typeface="+mj-cs"/>
               </a:rPr>

--- a/Crystal/Energy_resolution/moses_IPNsemin_21102011.pptx
+++ b/Crystal/Energy_resolution/moses_IPNsemin_21102011.pptx
@@ -36106,7 +36106,7 @@
           <a:graphicData uri="http://schemas.openxmlformats.org/presentationml/2006/ole">
             <mc:AlternateContent xmlns:mc="http://schemas.openxmlformats.org/markup-compatibility/2006">
               <mc:Choice xmlns:v="urn:schemas-microsoft-com:vml" Requires="v">
-                <p:oleObj spid="_x0000_s85035" name="Equation" r:id="rId4" imgW="4711700" imgH="736600" progId="Equation.3">
+                <p:oleObj spid="_x0000_s85036" name="Equation" r:id="rId4" imgW="4711700" imgH="736600" progId="Equation.3">
                   <p:embed/>
                 </p:oleObj>
               </mc:Choice>
@@ -37208,7 +37208,7 @@
           <a:graphicData uri="http://schemas.openxmlformats.org/presentationml/2006/ole">
             <mc:AlternateContent xmlns:mc="http://schemas.openxmlformats.org/markup-compatibility/2006">
               <mc:Choice xmlns:v="urn:schemas-microsoft-com:vml" Requires="v">
-                <p:oleObj spid="_x0000_s89131" name="Equation" r:id="rId4" imgW="6134100" imgH="1092200" progId="Equation.3">
+                <p:oleObj spid="_x0000_s89132" name="Equation" r:id="rId4" imgW="6134100" imgH="1092200" progId="Equation.3">
                   <p:embed/>
                 </p:oleObj>
               </mc:Choice>
@@ -37567,11 +37567,20 @@
               <a:defRPr/>
             </a:pPr>
             <a:r>
-              <a:rPr lang="en-US" sz="2800" b="1">
+              <a:rPr lang="en-US" sz="2800" b="1" dirty="0">
                 <a:ea typeface="ＭＳ Ｐゴシック" charset="-128"/>
               </a:rPr>
-              <a:t>Ratio of Diameters ∝ Ratio of Mobilities</a:t>
-            </a:r>
+              <a:t>Ratio of Diameters ∝ Ratio of </a:t>
+            </a:r>
+            <a:r>
+              <a:rPr lang="en-US" sz="2800" b="1" dirty="0" err="1">
+                <a:ea typeface="ＭＳ Ｐゴシック" charset="-128"/>
+              </a:rPr>
+              <a:t>Mobilities</a:t>
+            </a:r>
+            <a:endParaRPr lang="en-US" sz="2800" b="1" dirty="0">
+              <a:ea typeface="ＭＳ Ｐゴシック" charset="-128"/>
+            </a:endParaRPr>
           </a:p>
           <a:p>
             <a:pPr marL="228600" indent="-228600" algn="ctr" defTabSz="858838" eaLnBrk="0" hangingPunct="0">
@@ -37583,20 +37592,20 @@
               <a:defRPr/>
             </a:pPr>
             <a:r>
-              <a:rPr lang="en-US" sz="2800" b="1">
+              <a:rPr lang="en-US" sz="2800" b="1" dirty="0">
                 <a:ea typeface="ＭＳ Ｐゴシック" charset="-128"/>
               </a:rPr>
               <a:t>Similar Diameters </a:t>
             </a:r>
             <a:r>
-              <a:rPr lang="en-US" sz="2800" b="1">
+              <a:rPr lang="en-US" sz="2800" b="1" dirty="0">
                 <a:latin typeface="Wingdings" charset="2"/>
                 <a:ea typeface="ＭＳ Ｐゴシック" charset="-128"/>
               </a:rPr>
               <a:t></a:t>
             </a:r>
             <a:r>
-              <a:rPr lang="en-US" sz="2800" b="1">
+              <a:rPr lang="en-US" sz="2800" b="1" dirty="0">
                 <a:ea typeface="ＭＳ Ｐゴシック" charset="-128"/>
               </a:rPr>
               <a:t> High Recombination Probability</a:t>
@@ -37612,56 +37621,62 @@
               <a:defRPr/>
             </a:pPr>
             <a:r>
-              <a:rPr lang="en-US" sz="2800" b="1">
+              <a:rPr lang="en-US" sz="2800" b="1" dirty="0" err="1">
                 <a:ea typeface="ＭＳ Ｐゴシック" charset="-128"/>
               </a:rPr>
               <a:t>μ</a:t>
             </a:r>
             <a:r>
-              <a:rPr lang="en-US" sz="2800" b="1" baseline="-25000">
+              <a:rPr lang="en-US" sz="2800" b="1" baseline="-25000" dirty="0" err="1">
                 <a:ea typeface="ＭＳ Ｐゴシック" charset="-128"/>
               </a:rPr>
               <a:t>hole</a:t>
             </a:r>
             <a:r>
-              <a:rPr lang="en-US" sz="2800" b="1">
+              <a:rPr lang="en-US" sz="2800" b="1" dirty="0">
                 <a:ea typeface="ＭＳ Ｐゴシック" charset="-128"/>
               </a:rPr>
-              <a:t> ≈ μ</a:t>
-            </a:r>
-            <a:r>
-              <a:rPr lang="en-US" sz="2800" b="1" baseline="-25000">
+              <a:t> ≈ </a:t>
+            </a:r>
+            <a:r>
+              <a:rPr lang="en-US" sz="2800" b="1" dirty="0" err="1">
+                <a:ea typeface="ＭＳ Ｐゴシック" charset="-128"/>
+              </a:rPr>
+              <a:t>μ</a:t>
+            </a:r>
+            <a:r>
+              <a:rPr lang="en-US" sz="2800" b="1" baseline="-25000" dirty="0" err="1">
                 <a:ea typeface="ＭＳ Ｐゴシック" charset="-128"/>
               </a:rPr>
               <a:t>electron</a:t>
             </a:r>
             <a:r>
-              <a:rPr lang="en-US" sz="2800" b="1">
+              <a:rPr lang="en-US" sz="2800" b="1" dirty="0">
                 <a:ea typeface="ＭＳ Ｐゴシック" charset="-128"/>
               </a:rPr>
               <a:t> </a:t>
             </a:r>
             <a:r>
-              <a:rPr lang="en-US" sz="2800" b="1">
+              <a:rPr lang="en-US" sz="2800" b="1" dirty="0">
                 <a:latin typeface="Wingdings" charset="2"/>
                 <a:ea typeface="ＭＳ Ｐゴシック" charset="-128"/>
               </a:rPr>
               <a:t></a:t>
             </a:r>
             <a:r>
-              <a:rPr lang="en-US" sz="2800" b="1">
+              <a:rPr lang="en-US" sz="2800" b="1" dirty="0">
                 <a:ea typeface="ＭＳ Ｐゴシック" charset="-128"/>
               </a:rPr>
               <a:t> Proportional Scintillator </a:t>
             </a:r>
             <a:r>
-              <a:rPr lang="en-US" sz="2800" b="1">
+              <a:rPr lang="en-US" sz="2800" b="1" dirty="0">
                 <a:latin typeface="Wingdings" charset="2"/>
                 <a:ea typeface="ＭＳ Ｐゴシック" charset="-128"/>
               </a:rPr>
               <a:t> </a:t>
             </a:r>
-            <a:endParaRPr lang="en-US" sz="2800" b="1">
+            <a:endParaRPr lang="en-US" sz="2800" b="1" dirty="0">
               <a:ea typeface="ＭＳ Ｐゴシック" charset="-128"/>
             </a:endParaRPr>
           </a:p>
